--- a/doc/Zentralisierte Parameterverwaltung Präsentation.pptx
+++ b/doc/Zentralisierte Parameterverwaltung Präsentation.pptx
@@ -5,10 +5,10 @@
     <p:sldMasterId id="2147483712" r:id="rId2"/>
   </p:sldMasterIdLst>
   <p:notesMasterIdLst>
-    <p:notesMasterId r:id="rId33"/>
+    <p:notesMasterId r:id="rId32"/>
   </p:notesMasterIdLst>
   <p:handoutMasterIdLst>
-    <p:handoutMasterId r:id="rId34"/>
+    <p:handoutMasterId r:id="rId33"/>
   </p:handoutMasterIdLst>
   <p:sldIdLst>
     <p:sldId id="257" r:id="rId3"/>
@@ -16,36 +16,35 @@
     <p:sldId id="260" r:id="rId5"/>
     <p:sldId id="259" r:id="rId6"/>
     <p:sldId id="275" r:id="rId7"/>
-    <p:sldId id="261" r:id="rId8"/>
-    <p:sldId id="274" r:id="rId9"/>
-    <p:sldId id="288" r:id="rId10"/>
-    <p:sldId id="265" r:id="rId11"/>
-    <p:sldId id="289" r:id="rId12"/>
-    <p:sldId id="290" r:id="rId13"/>
-    <p:sldId id="291" r:id="rId14"/>
-    <p:sldId id="292" r:id="rId15"/>
-    <p:sldId id="293" r:id="rId16"/>
-    <p:sldId id="294" r:id="rId17"/>
-    <p:sldId id="267" r:id="rId18"/>
-    <p:sldId id="295" r:id="rId19"/>
-    <p:sldId id="296" r:id="rId20"/>
-    <p:sldId id="278" r:id="rId21"/>
-    <p:sldId id="282" r:id="rId22"/>
-    <p:sldId id="297" r:id="rId23"/>
-    <p:sldId id="298" r:id="rId24"/>
-    <p:sldId id="286" r:id="rId25"/>
-    <p:sldId id="299" r:id="rId26"/>
-    <p:sldId id="270" r:id="rId27"/>
-    <p:sldId id="271" r:id="rId28"/>
-    <p:sldId id="272" r:id="rId29"/>
-    <p:sldId id="301" r:id="rId30"/>
-    <p:sldId id="300" r:id="rId31"/>
-    <p:sldId id="302" r:id="rId32"/>
+    <p:sldId id="274" r:id="rId8"/>
+    <p:sldId id="288" r:id="rId9"/>
+    <p:sldId id="265" r:id="rId10"/>
+    <p:sldId id="289" r:id="rId11"/>
+    <p:sldId id="290" r:id="rId12"/>
+    <p:sldId id="291" r:id="rId13"/>
+    <p:sldId id="292" r:id="rId14"/>
+    <p:sldId id="293" r:id="rId15"/>
+    <p:sldId id="294" r:id="rId16"/>
+    <p:sldId id="267" r:id="rId17"/>
+    <p:sldId id="295" r:id="rId18"/>
+    <p:sldId id="296" r:id="rId19"/>
+    <p:sldId id="278" r:id="rId20"/>
+    <p:sldId id="282" r:id="rId21"/>
+    <p:sldId id="297" r:id="rId22"/>
+    <p:sldId id="298" r:id="rId23"/>
+    <p:sldId id="286" r:id="rId24"/>
+    <p:sldId id="299" r:id="rId25"/>
+    <p:sldId id="270" r:id="rId26"/>
+    <p:sldId id="271" r:id="rId27"/>
+    <p:sldId id="272" r:id="rId28"/>
+    <p:sldId id="301" r:id="rId29"/>
+    <p:sldId id="300" r:id="rId30"/>
+    <p:sldId id="302" r:id="rId31"/>
   </p:sldIdLst>
   <p:sldSz cx="9144000" cy="6858000" type="screen4x3"/>
   <p:notesSz cx="6858000" cy="9144000"/>
   <p:custDataLst>
-    <p:tags r:id="rId35"/>
+    <p:tags r:id="rId34"/>
   </p:custDataLst>
   <p:defaultTextStyle>
     <a:defPPr>
@@ -244,7 +243,7 @@
           <a:p>
             <a:fld id="{2047E7E6-DC22-4589-93E6-0E9D3876F3E3}" type="datetimeFigureOut">
               <a:rPr lang="de-CH" smtClean="0"/>
-              <a:t>26.04.2018</a:t>
+              <a:t>29.04.2018</a:t>
             </a:fld>
             <a:endParaRPr lang="de-CH" dirty="0"/>
           </a:p>
@@ -421,7 +420,7 @@
           <a:p>
             <a:fld id="{0CD7EA5D-90F0-40D6-8923-28856A9447F6}" type="datetimeFigureOut">
               <a:rPr lang="de-CH" smtClean="0"/>
-              <a:t>26.04.2018</a:t>
+              <a:t>29.04.2018</a:t>
             </a:fld>
             <a:endParaRPr lang="de-CH" dirty="0"/>
           </a:p>
@@ -735,7 +734,13 @@
           <a:p>
             <a:r>
               <a:rPr lang="de-CH" dirty="0"/>
-              <a:t>FL-LV == Fürstentum Lichtenstein Landesverwaltung</a:t>
+              <a:t>Begrüssen</a:t>
+            </a:r>
+          </a:p>
+          <a:p>
+            <a:r>
+              <a:rPr lang="de-CH" dirty="0"/>
+              <a:t>Meine Lösung für Problem einer zentralisierten Parameterverwaltung in MS Architektur.</a:t>
             </a:r>
           </a:p>
         </p:txBody>
@@ -757,7 +762,7 @@
           <a:p>
             <a:fld id="{58ABF7BE-DAB5-4375-BE44-2ECBDD9BAAF1}" type="slidenum">
               <a:rPr lang="de-CH" smtClean="0"/>
-              <a:t>4</a:t>
+              <a:t>1</a:t>
             </a:fld>
             <a:endParaRPr lang="de-CH" dirty="0"/>
           </a:p>
@@ -766,7 +771,7 @@
     </p:spTree>
     <p:extLst>
       <p:ext uri="{BB962C8B-B14F-4D97-AF65-F5344CB8AC3E}">
-        <p14:creationId xmlns:p14="http://schemas.microsoft.com/office/powerpoint/2010/main" val="3857235195"/>
+        <p14:creationId xmlns:p14="http://schemas.microsoft.com/office/powerpoint/2010/main" val="3788152505"/>
       </p:ext>
     </p:extLst>
   </p:cSld>
@@ -820,7 +825,16 @@
           <a:bodyPr/>
           <a:lstStyle/>
           <a:p>
-            <a:endParaRPr lang="de-CH" dirty="0"/>
+            <a:r>
+              <a:rPr lang="de-CH" dirty="0"/>
+              <a:t>FL-LV == Fürstentum Lichtenstein Landesverwaltung</a:t>
+            </a:r>
+          </a:p>
+          <a:p>
+            <a:r>
+              <a:rPr lang="de-CH" dirty="0"/>
+              <a:t>Neu der Bund mit Projekt Viaduc</a:t>
+            </a:r>
           </a:p>
         </p:txBody>
       </p:sp>
@@ -841,7 +855,7 @@
           <a:p>
             <a:fld id="{58ABF7BE-DAB5-4375-BE44-2ECBDD9BAAF1}" type="slidenum">
               <a:rPr lang="de-CH" smtClean="0"/>
-              <a:t>10</a:t>
+              <a:t>4</a:t>
             </a:fld>
             <a:endParaRPr lang="de-CH" dirty="0"/>
           </a:p>
@@ -850,7 +864,7 @@
     </p:spTree>
     <p:extLst>
       <p:ext uri="{BB962C8B-B14F-4D97-AF65-F5344CB8AC3E}">
-        <p14:creationId xmlns:p14="http://schemas.microsoft.com/office/powerpoint/2010/main" val="2797574067"/>
+        <p14:creationId xmlns:p14="http://schemas.microsoft.com/office/powerpoint/2010/main" val="3857235195"/>
       </p:ext>
     </p:extLst>
   </p:cSld>
@@ -904,16 +918,7 @@
           <a:bodyPr/>
           <a:lstStyle/>
           <a:p>
-            <a:r>
-              <a:rPr lang="de-CH" dirty="0"/>
-              <a:t>Unterschiede:	1. Keine Gruppen</a:t>
-            </a:r>
-          </a:p>
-          <a:p>
-            <a:r>
-              <a:rPr lang="de-CH" dirty="0"/>
-              <a:t>	2. Abbrechen Button</a:t>
-            </a:r>
+            <a:endParaRPr lang="de-CH" dirty="0"/>
           </a:p>
         </p:txBody>
       </p:sp>
@@ -934,7 +939,184 @@
           <a:p>
             <a:fld id="{58ABF7BE-DAB5-4375-BE44-2ECBDD9BAAF1}" type="slidenum">
               <a:rPr lang="de-CH" smtClean="0"/>
-              <a:t>20</a:t>
+              <a:t>5</a:t>
+            </a:fld>
+            <a:endParaRPr lang="de-CH" dirty="0"/>
+          </a:p>
+        </p:txBody>
+      </p:sp>
+    </p:spTree>
+    <p:extLst>
+      <p:ext uri="{BB962C8B-B14F-4D97-AF65-F5344CB8AC3E}">
+        <p14:creationId xmlns:p14="http://schemas.microsoft.com/office/powerpoint/2010/main" val="3945475985"/>
+      </p:ext>
+    </p:extLst>
+  </p:cSld>
+  <p:clrMapOvr>
+    <a:masterClrMapping/>
+  </p:clrMapOvr>
+</p:notes>
+</file>
+
+<file path=ppt/notesSlides/notesSlide4.xml><?xml version="1.0" encoding="utf-8"?>
+<p:notes xmlns:a="http://schemas.openxmlformats.org/drawingml/2006/main" xmlns:r="http://schemas.openxmlformats.org/officeDocument/2006/relationships" xmlns:p="http://schemas.openxmlformats.org/presentationml/2006/main">
+  <p:cSld>
+    <p:spTree>
+      <p:nvGrpSpPr>
+        <p:cNvPr id="1" name=""/>
+        <p:cNvGrpSpPr/>
+        <p:nvPr/>
+      </p:nvGrpSpPr>
+      <p:grpSpPr>
+        <a:xfrm>
+          <a:off x="0" y="0"/>
+          <a:ext cx="0" cy="0"/>
+          <a:chOff x="0" y="0"/>
+          <a:chExt cx="0" cy="0"/>
+        </a:xfrm>
+      </p:grpSpPr>
+      <p:sp>
+        <p:nvSpPr>
+          <p:cNvPr id="2" name="Slide Image Placeholder 1"/>
+          <p:cNvSpPr>
+            <a:spLocks noGrp="1" noRot="1" noChangeAspect="1"/>
+          </p:cNvSpPr>
+          <p:nvPr>
+            <p:ph type="sldImg"/>
+          </p:nvPr>
+        </p:nvSpPr>
+        <p:spPr/>
+      </p:sp>
+      <p:sp>
+        <p:nvSpPr>
+          <p:cNvPr id="3" name="Notes Placeholder 2"/>
+          <p:cNvSpPr>
+            <a:spLocks noGrp="1"/>
+          </p:cNvSpPr>
+          <p:nvPr>
+            <p:ph type="body" idx="1"/>
+          </p:nvPr>
+        </p:nvSpPr>
+        <p:spPr/>
+        <p:txBody>
+          <a:bodyPr/>
+          <a:lstStyle/>
+          <a:p>
+            <a:endParaRPr lang="de-CH" dirty="0"/>
+          </a:p>
+        </p:txBody>
+      </p:sp>
+      <p:sp>
+        <p:nvSpPr>
+          <p:cNvPr id="4" name="Slide Number Placeholder 3"/>
+          <p:cNvSpPr>
+            <a:spLocks noGrp="1"/>
+          </p:cNvSpPr>
+          <p:nvPr>
+            <p:ph type="sldNum" sz="quarter" idx="10"/>
+          </p:nvPr>
+        </p:nvSpPr>
+        <p:spPr/>
+        <p:txBody>
+          <a:bodyPr/>
+          <a:lstStyle/>
+          <a:p>
+            <a:fld id="{58ABF7BE-DAB5-4375-BE44-2ECBDD9BAAF1}" type="slidenum">
+              <a:rPr lang="de-CH" smtClean="0"/>
+              <a:t>9</a:t>
+            </a:fld>
+            <a:endParaRPr lang="de-CH" dirty="0"/>
+          </a:p>
+        </p:txBody>
+      </p:sp>
+    </p:spTree>
+    <p:extLst>
+      <p:ext uri="{BB962C8B-B14F-4D97-AF65-F5344CB8AC3E}">
+        <p14:creationId xmlns:p14="http://schemas.microsoft.com/office/powerpoint/2010/main" val="2797574067"/>
+      </p:ext>
+    </p:extLst>
+  </p:cSld>
+  <p:clrMapOvr>
+    <a:masterClrMapping/>
+  </p:clrMapOvr>
+</p:notes>
+</file>
+
+<file path=ppt/notesSlides/notesSlide5.xml><?xml version="1.0" encoding="utf-8"?>
+<p:notes xmlns:a="http://schemas.openxmlformats.org/drawingml/2006/main" xmlns:r="http://schemas.openxmlformats.org/officeDocument/2006/relationships" xmlns:p="http://schemas.openxmlformats.org/presentationml/2006/main">
+  <p:cSld>
+    <p:spTree>
+      <p:nvGrpSpPr>
+        <p:cNvPr id="1" name=""/>
+        <p:cNvGrpSpPr/>
+        <p:nvPr/>
+      </p:nvGrpSpPr>
+      <p:grpSpPr>
+        <a:xfrm>
+          <a:off x="0" y="0"/>
+          <a:ext cx="0" cy="0"/>
+          <a:chOff x="0" y="0"/>
+          <a:chExt cx="0" cy="0"/>
+        </a:xfrm>
+      </p:grpSpPr>
+      <p:sp>
+        <p:nvSpPr>
+          <p:cNvPr id="2" name="Slide Image Placeholder 1"/>
+          <p:cNvSpPr>
+            <a:spLocks noGrp="1" noRot="1" noChangeAspect="1"/>
+          </p:cNvSpPr>
+          <p:nvPr>
+            <p:ph type="sldImg"/>
+          </p:nvPr>
+        </p:nvSpPr>
+        <p:spPr/>
+      </p:sp>
+      <p:sp>
+        <p:nvSpPr>
+          <p:cNvPr id="3" name="Notes Placeholder 2"/>
+          <p:cNvSpPr>
+            <a:spLocks noGrp="1"/>
+          </p:cNvSpPr>
+          <p:nvPr>
+            <p:ph type="body" idx="1"/>
+          </p:nvPr>
+        </p:nvSpPr>
+        <p:spPr/>
+        <p:txBody>
+          <a:bodyPr/>
+          <a:lstStyle/>
+          <a:p>
+            <a:r>
+              <a:rPr lang="de-CH" dirty="0"/>
+              <a:t>Unterschiede:	1. Keine Gruppen</a:t>
+            </a:r>
+          </a:p>
+          <a:p>
+            <a:r>
+              <a:rPr lang="de-CH" dirty="0"/>
+              <a:t>	2. Abbrechen Button</a:t>
+            </a:r>
+          </a:p>
+        </p:txBody>
+      </p:sp>
+      <p:sp>
+        <p:nvSpPr>
+          <p:cNvPr id="4" name="Slide Number Placeholder 3"/>
+          <p:cNvSpPr>
+            <a:spLocks noGrp="1"/>
+          </p:cNvSpPr>
+          <p:nvPr>
+            <p:ph type="sldNum" sz="quarter" idx="10"/>
+          </p:nvPr>
+        </p:nvSpPr>
+        <p:spPr/>
+        <p:txBody>
+          <a:bodyPr/>
+          <a:lstStyle/>
+          <a:p>
+            <a:fld id="{58ABF7BE-DAB5-4375-BE44-2ECBDD9BAAF1}" type="slidenum">
+              <a:rPr lang="de-CH" smtClean="0"/>
+              <a:t>19</a:t>
             </a:fld>
             <a:endParaRPr lang="de-CH" dirty="0"/>
           </a:p>
@@ -944,6 +1126,163 @@
     <p:extLst>
       <p:ext uri="{BB962C8B-B14F-4D97-AF65-F5344CB8AC3E}">
         <p14:creationId xmlns:p14="http://schemas.microsoft.com/office/powerpoint/2010/main" val="343429785"/>
+      </p:ext>
+    </p:extLst>
+  </p:cSld>
+  <p:clrMapOvr>
+    <a:masterClrMapping/>
+  </p:clrMapOvr>
+</p:notes>
+</file>
+
+<file path=ppt/notesSlides/notesSlide6.xml><?xml version="1.0" encoding="utf-8"?>
+<p:notes xmlns:a="http://schemas.openxmlformats.org/drawingml/2006/main" xmlns:r="http://schemas.openxmlformats.org/officeDocument/2006/relationships" xmlns:p="http://schemas.openxmlformats.org/presentationml/2006/main">
+  <p:cSld>
+    <p:spTree>
+      <p:nvGrpSpPr>
+        <p:cNvPr id="1" name=""/>
+        <p:cNvGrpSpPr/>
+        <p:nvPr/>
+      </p:nvGrpSpPr>
+      <p:grpSpPr>
+        <a:xfrm>
+          <a:off x="0" y="0"/>
+          <a:ext cx="0" cy="0"/>
+          <a:chOff x="0" y="0"/>
+          <a:chExt cx="0" cy="0"/>
+        </a:xfrm>
+      </p:grpSpPr>
+      <p:sp>
+        <p:nvSpPr>
+          <p:cNvPr id="2" name="Slide Image Placeholder 1"/>
+          <p:cNvSpPr>
+            <a:spLocks noGrp="1" noRot="1" noChangeAspect="1"/>
+          </p:cNvSpPr>
+          <p:nvPr>
+            <p:ph type="sldImg"/>
+          </p:nvPr>
+        </p:nvSpPr>
+        <p:spPr/>
+      </p:sp>
+      <p:sp>
+        <p:nvSpPr>
+          <p:cNvPr id="3" name="Notes Placeholder 2"/>
+          <p:cNvSpPr>
+            <a:spLocks noGrp="1"/>
+          </p:cNvSpPr>
+          <p:nvPr>
+            <p:ph type="body" idx="1"/>
+          </p:nvPr>
+        </p:nvSpPr>
+        <p:spPr/>
+        <p:txBody>
+          <a:bodyPr/>
+          <a:lstStyle/>
+          <a:p>
+            <a:pPr marL="171450" indent="-171450">
+              <a:buFontTx/>
+              <a:buChar char="-"/>
+            </a:pPr>
+            <a:r>
+              <a:rPr lang="de-CH" dirty="0"/>
+              <a:t>Zeigen nur </a:t>
+            </a:r>
+            <a:r>
+              <a:rPr lang="de-CH" dirty="0" err="1"/>
+              <a:t>Param</a:t>
+            </a:r>
+            <a:r>
+              <a:rPr lang="de-CH" dirty="0"/>
+              <a:t> Service A</a:t>
+            </a:r>
+          </a:p>
+          <a:p>
+            <a:pPr marL="171450" indent="-171450">
+              <a:buFontTx/>
+              <a:buChar char="-"/>
+            </a:pPr>
+            <a:r>
+              <a:rPr lang="de-CH" dirty="0"/>
+              <a:t>Aufschalten </a:t>
+            </a:r>
+            <a:r>
+              <a:rPr lang="de-CH" dirty="0" err="1"/>
+              <a:t>Param</a:t>
+            </a:r>
+            <a:r>
+              <a:rPr lang="de-CH" dirty="0"/>
+              <a:t> Service B</a:t>
+            </a:r>
+          </a:p>
+          <a:p>
+            <a:pPr marL="171450" indent="-171450">
+              <a:buFontTx/>
+              <a:buChar char="-"/>
+            </a:pPr>
+            <a:r>
+              <a:rPr lang="de-CH" dirty="0"/>
+              <a:t>Suchen</a:t>
+            </a:r>
+          </a:p>
+          <a:p>
+            <a:pPr marL="171450" indent="-171450">
+              <a:buFontTx/>
+              <a:buChar char="-"/>
+            </a:pPr>
+            <a:r>
+              <a:rPr lang="de-CH" dirty="0"/>
+              <a:t>Falscher Parameter Validieren</a:t>
+            </a:r>
+          </a:p>
+          <a:p>
+            <a:pPr marL="171450" indent="-171450">
+              <a:buFontTx/>
+              <a:buChar char="-"/>
+            </a:pPr>
+            <a:r>
+              <a:rPr lang="de-CH" dirty="0"/>
+              <a:t>Speichern</a:t>
+            </a:r>
+          </a:p>
+          <a:p>
+            <a:pPr marL="171450" indent="-171450">
+              <a:buFontTx/>
+              <a:buChar char="-"/>
+            </a:pPr>
+            <a:r>
+              <a:rPr lang="de-CH" dirty="0"/>
+              <a:t>Abbrechen</a:t>
+            </a:r>
+          </a:p>
+        </p:txBody>
+      </p:sp>
+      <p:sp>
+        <p:nvSpPr>
+          <p:cNvPr id="4" name="Slide Number Placeholder 3"/>
+          <p:cNvSpPr>
+            <a:spLocks noGrp="1"/>
+          </p:cNvSpPr>
+          <p:nvPr>
+            <p:ph type="sldNum" sz="quarter" idx="10"/>
+          </p:nvPr>
+        </p:nvSpPr>
+        <p:spPr/>
+        <p:txBody>
+          <a:bodyPr/>
+          <a:lstStyle/>
+          <a:p>
+            <a:fld id="{58ABF7BE-DAB5-4375-BE44-2ECBDD9BAAF1}" type="slidenum">
+              <a:rPr lang="de-CH" smtClean="0"/>
+              <a:t>24</a:t>
+            </a:fld>
+            <a:endParaRPr lang="de-CH" dirty="0"/>
+          </a:p>
+        </p:txBody>
+      </p:sp>
+    </p:spTree>
+    <p:extLst>
+      <p:ext uri="{BB962C8B-B14F-4D97-AF65-F5344CB8AC3E}">
+        <p14:creationId xmlns:p14="http://schemas.microsoft.com/office/powerpoint/2010/main" val="2070571897"/>
       </p:ext>
     </p:extLst>
   </p:cSld>
@@ -3284,459 +3623,6 @@
       </p:grpSpPr>
       <p:sp>
         <p:nvSpPr>
-          <p:cNvPr id="10" name="Title 1">
-            <a:extLst>
-              <a:ext uri="{FF2B5EF4-FFF2-40B4-BE49-F238E27FC236}">
-                <a16:creationId xmlns:a16="http://schemas.microsoft.com/office/drawing/2014/main" id="{FE320E18-F31A-4954-AAE7-1BF3A60DB292}"/>
-              </a:ext>
-            </a:extLst>
-          </p:cNvPr>
-          <p:cNvSpPr>
-            <a:spLocks noGrp="1"/>
-          </p:cNvSpPr>
-          <p:nvPr>
-            <p:ph type="title"/>
-          </p:nvPr>
-        </p:nvSpPr>
-        <p:spPr>
-          <a:xfrm>
-            <a:off x="936000" y="306000"/>
-            <a:ext cx="7884000" cy="360000"/>
-          </a:xfrm>
-        </p:spPr>
-        <p:txBody>
-          <a:bodyPr/>
-          <a:lstStyle/>
-          <a:p>
-            <a:r>
-              <a:rPr lang="de-CH" sz="1200" dirty="0"/>
-              <a:t>IPA Projekt - </a:t>
-            </a:r>
-            <a:r>
-              <a:rPr lang="de-CH" dirty="0"/>
-              <a:t>Problemstellung</a:t>
-            </a:r>
-          </a:p>
-        </p:txBody>
-      </p:sp>
-      <p:sp>
-        <p:nvSpPr>
-          <p:cNvPr id="11" name="Content Placeholder 2">
-            <a:extLst>
-              <a:ext uri="{FF2B5EF4-FFF2-40B4-BE49-F238E27FC236}">
-                <a16:creationId xmlns:a16="http://schemas.microsoft.com/office/drawing/2014/main" id="{7F7FF83F-FBB5-40A7-9766-BF0C688AB816}"/>
-              </a:ext>
-            </a:extLst>
-          </p:cNvPr>
-          <p:cNvSpPr>
-            <a:spLocks noGrp="1"/>
-          </p:cNvSpPr>
-          <p:nvPr>
-            <p:ph idx="1"/>
-          </p:nvPr>
-        </p:nvSpPr>
-        <p:spPr>
-          <a:xfrm>
-            <a:off x="936000" y="1233950"/>
-            <a:ext cx="7884000" cy="4716000"/>
-          </a:xfrm>
-        </p:spPr>
-        <p:txBody>
-          <a:bodyPr/>
-          <a:lstStyle/>
-          <a:p>
-            <a:pPr>
-              <a:lnSpc>
-                <a:spcPct val="300000"/>
-              </a:lnSpc>
-              <a:buClr>
-                <a:srgbClr val="00B0F0"/>
-              </a:buClr>
-              <a:buFont typeface="Wingdings" panose="05000000000000000000" pitchFamily="2" charset="2"/>
-              <a:buChar char="§"/>
-            </a:pPr>
-            <a:r>
-              <a:rPr lang="de-CH" dirty="0"/>
-              <a:t>Zur Zeit gibt es 13 Microservices</a:t>
-            </a:r>
-          </a:p>
-          <a:p>
-            <a:pPr>
-              <a:lnSpc>
-                <a:spcPct val="300000"/>
-              </a:lnSpc>
-              <a:buClr>
-                <a:srgbClr val="00B0F0"/>
-              </a:buClr>
-              <a:buFont typeface="Wingdings" panose="05000000000000000000" pitchFamily="2" charset="2"/>
-              <a:buChar char="§"/>
-            </a:pPr>
-            <a:r>
-              <a:rPr lang="de-CH" dirty="0"/>
-              <a:t>Alle müssen unabhängig gestartet werden können</a:t>
-            </a:r>
-          </a:p>
-          <a:p>
-            <a:pPr>
-              <a:lnSpc>
-                <a:spcPct val="300000"/>
-              </a:lnSpc>
-              <a:buClr>
-                <a:srgbClr val="00B0F0"/>
-              </a:buClr>
-              <a:buFont typeface="Wingdings" panose="05000000000000000000" pitchFamily="2" charset="2"/>
-              <a:buChar char="§"/>
-            </a:pPr>
-            <a:r>
-              <a:rPr lang="de-CH" dirty="0"/>
-              <a:t>Microservices dürfen keine Abhängigkeit haben</a:t>
-            </a:r>
-          </a:p>
-          <a:p>
-            <a:pPr>
-              <a:lnSpc>
-                <a:spcPct val="300000"/>
-              </a:lnSpc>
-              <a:buClr>
-                <a:srgbClr val="00B0F0"/>
-              </a:buClr>
-              <a:buFont typeface="Wingdings" panose="05000000000000000000" pitchFamily="2" charset="2"/>
-              <a:buChar char="§"/>
-            </a:pPr>
-            <a:r>
-              <a:rPr lang="de-CH" dirty="0"/>
-              <a:t>Anwender müssen die Services parametrieren können</a:t>
-            </a:r>
-          </a:p>
-        </p:txBody>
-      </p:sp>
-      <p:sp>
-        <p:nvSpPr>
-          <p:cNvPr id="12" name="Text Placeholder 3">
-            <a:extLst>
-              <a:ext uri="{FF2B5EF4-FFF2-40B4-BE49-F238E27FC236}">
-                <a16:creationId xmlns:a16="http://schemas.microsoft.com/office/drawing/2014/main" id="{FAAB3AC2-0AC6-4DE3-813C-8C4E61F661D5}"/>
-              </a:ext>
-            </a:extLst>
-          </p:cNvPr>
-          <p:cNvSpPr>
-            <a:spLocks noGrp="1"/>
-          </p:cNvSpPr>
-          <p:nvPr>
-            <p:ph type="body" sz="quarter" idx="10"/>
-          </p:nvPr>
-        </p:nvSpPr>
-        <p:spPr>
-          <a:xfrm>
-            <a:off x="935038" y="836712"/>
-            <a:ext cx="7885112" cy="360000"/>
-          </a:xfrm>
-        </p:spPr>
-        <p:txBody>
-          <a:bodyPr/>
-          <a:lstStyle/>
-          <a:p>
-            <a:r>
-              <a:rPr lang="de-CH" b="1" i="1" dirty="0"/>
-              <a:t>Anforderungen</a:t>
-            </a:r>
-          </a:p>
-        </p:txBody>
-      </p:sp>
-      <p:pic>
-        <p:nvPicPr>
-          <p:cNvPr id="15" name="Picture 14">
-            <a:extLst>
-              <a:ext uri="{FF2B5EF4-FFF2-40B4-BE49-F238E27FC236}">
-                <a16:creationId xmlns:a16="http://schemas.microsoft.com/office/drawing/2014/main" id="{AB3CC870-CD96-4B7B-92E5-91DF9AB1EB62}"/>
-              </a:ext>
-            </a:extLst>
-          </p:cNvPr>
-          <p:cNvPicPr>
-            <a:picLocks noChangeAspect="1"/>
-          </p:cNvPicPr>
-          <p:nvPr/>
-        </p:nvPicPr>
-        <p:blipFill>
-          <a:blip r:embed="rId3">
-            <a:extLst>
-              <a:ext uri="{28A0092B-C50C-407E-A947-70E740481C1C}">
-                <a14:useLocalDpi xmlns:a14="http://schemas.microsoft.com/office/drawing/2010/main" val="0"/>
-              </a:ext>
-            </a:extLst>
-          </a:blip>
-          <a:stretch>
-            <a:fillRect/>
-          </a:stretch>
-        </p:blipFill>
-        <p:spPr>
-          <a:xfrm>
-            <a:off x="7634723" y="731083"/>
-            <a:ext cx="609685" cy="609685"/>
-          </a:xfrm>
-          <a:prstGeom prst="rect">
-            <a:avLst/>
-          </a:prstGeom>
-        </p:spPr>
-      </p:pic>
-    </p:spTree>
-    <p:extLst>
-      <p:ext uri="{BB962C8B-B14F-4D97-AF65-F5344CB8AC3E}">
-        <p14:creationId xmlns:p14="http://schemas.microsoft.com/office/powerpoint/2010/main" val="3041852416"/>
-      </p:ext>
-    </p:extLst>
-  </p:cSld>
-  <p:clrMapOvr>
-    <a:masterClrMapping/>
-  </p:clrMapOvr>
-  <p:timing>
-    <p:tnLst>
-      <p:par>
-        <p:cTn id="1" dur="indefinite" restart="never" nodeType="tmRoot">
-          <p:childTnLst>
-            <p:seq concurrent="1" nextAc="seek">
-              <p:cTn id="2" dur="indefinite" nodeType="mainSeq">
-                <p:childTnLst>
-                  <p:par>
-                    <p:cTn id="3" fill="hold">
-                      <p:stCondLst>
-                        <p:cond delay="indefinite"/>
-                      </p:stCondLst>
-                      <p:childTnLst>
-                        <p:par>
-                          <p:cTn id="4" fill="hold">
-                            <p:stCondLst>
-                              <p:cond delay="0"/>
-                            </p:stCondLst>
-                            <p:childTnLst>
-                              <p:par>
-                                <p:cTn id="5" presetID="1" presetClass="entr" presetSubtype="0" fill="hold" nodeType="clickEffect">
-                                  <p:stCondLst>
-                                    <p:cond delay="0"/>
-                                  </p:stCondLst>
-                                  <p:childTnLst>
-                                    <p:set>
-                                      <p:cBhvr>
-                                        <p:cTn id="6" dur="1" fill="hold">
-                                          <p:stCondLst>
-                                            <p:cond delay="0"/>
-                                          </p:stCondLst>
-                                        </p:cTn>
-                                        <p:tgtEl>
-                                          <p:spTgt spid="11">
-                                            <p:txEl>
-                                              <p:pRg st="0" end="0"/>
-                                            </p:txEl>
-                                          </p:spTgt>
-                                        </p:tgtEl>
-                                        <p:attrNameLst>
-                                          <p:attrName>style.visibility</p:attrName>
-                                        </p:attrNameLst>
-                                      </p:cBhvr>
-                                      <p:to>
-                                        <p:strVal val="visible"/>
-                                      </p:to>
-                                    </p:set>
-                                  </p:childTnLst>
-                                </p:cTn>
-                              </p:par>
-                            </p:childTnLst>
-                          </p:cTn>
-                        </p:par>
-                      </p:childTnLst>
-                    </p:cTn>
-                  </p:par>
-                  <p:par>
-                    <p:cTn id="7" fill="hold">
-                      <p:stCondLst>
-                        <p:cond delay="indefinite"/>
-                      </p:stCondLst>
-                      <p:childTnLst>
-                        <p:par>
-                          <p:cTn id="8" fill="hold">
-                            <p:stCondLst>
-                              <p:cond delay="0"/>
-                            </p:stCondLst>
-                            <p:childTnLst>
-                              <p:par>
-                                <p:cTn id="9" presetID="1" presetClass="entr" presetSubtype="0" fill="hold" nodeType="clickEffect">
-                                  <p:stCondLst>
-                                    <p:cond delay="0"/>
-                                  </p:stCondLst>
-                                  <p:childTnLst>
-                                    <p:set>
-                                      <p:cBhvr>
-                                        <p:cTn id="10" dur="1" fill="hold">
-                                          <p:stCondLst>
-                                            <p:cond delay="0"/>
-                                          </p:stCondLst>
-                                        </p:cTn>
-                                        <p:tgtEl>
-                                          <p:spTgt spid="11">
-                                            <p:txEl>
-                                              <p:pRg st="1" end="1"/>
-                                            </p:txEl>
-                                          </p:spTgt>
-                                        </p:tgtEl>
-                                        <p:attrNameLst>
-                                          <p:attrName>style.visibility</p:attrName>
-                                        </p:attrNameLst>
-                                      </p:cBhvr>
-                                      <p:to>
-                                        <p:strVal val="visible"/>
-                                      </p:to>
-                                    </p:set>
-                                  </p:childTnLst>
-                                </p:cTn>
-                              </p:par>
-                            </p:childTnLst>
-                          </p:cTn>
-                        </p:par>
-                      </p:childTnLst>
-                    </p:cTn>
-                  </p:par>
-                  <p:par>
-                    <p:cTn id="11" fill="hold">
-                      <p:stCondLst>
-                        <p:cond delay="indefinite"/>
-                      </p:stCondLst>
-                      <p:childTnLst>
-                        <p:par>
-                          <p:cTn id="12" fill="hold">
-                            <p:stCondLst>
-                              <p:cond delay="0"/>
-                            </p:stCondLst>
-                            <p:childTnLst>
-                              <p:par>
-                                <p:cTn id="13" presetID="1" presetClass="entr" presetSubtype="0" fill="hold" nodeType="clickEffect">
-                                  <p:stCondLst>
-                                    <p:cond delay="0"/>
-                                  </p:stCondLst>
-                                  <p:childTnLst>
-                                    <p:set>
-                                      <p:cBhvr>
-                                        <p:cTn id="14" dur="1" fill="hold">
-                                          <p:stCondLst>
-                                            <p:cond delay="0"/>
-                                          </p:stCondLst>
-                                        </p:cTn>
-                                        <p:tgtEl>
-                                          <p:spTgt spid="11">
-                                            <p:txEl>
-                                              <p:pRg st="2" end="2"/>
-                                            </p:txEl>
-                                          </p:spTgt>
-                                        </p:tgtEl>
-                                        <p:attrNameLst>
-                                          <p:attrName>style.visibility</p:attrName>
-                                        </p:attrNameLst>
-                                      </p:cBhvr>
-                                      <p:to>
-                                        <p:strVal val="visible"/>
-                                      </p:to>
-                                    </p:set>
-                                  </p:childTnLst>
-                                </p:cTn>
-                              </p:par>
-                            </p:childTnLst>
-                          </p:cTn>
-                        </p:par>
-                      </p:childTnLst>
-                    </p:cTn>
-                  </p:par>
-                  <p:par>
-                    <p:cTn id="15" fill="hold">
-                      <p:stCondLst>
-                        <p:cond delay="indefinite"/>
-                      </p:stCondLst>
-                      <p:childTnLst>
-                        <p:par>
-                          <p:cTn id="16" fill="hold">
-                            <p:stCondLst>
-                              <p:cond delay="0"/>
-                            </p:stCondLst>
-                            <p:childTnLst>
-                              <p:par>
-                                <p:cTn id="17" presetID="1" presetClass="entr" presetSubtype="0" fill="hold" nodeType="clickEffect">
-                                  <p:stCondLst>
-                                    <p:cond delay="0"/>
-                                  </p:stCondLst>
-                                  <p:childTnLst>
-                                    <p:set>
-                                      <p:cBhvr>
-                                        <p:cTn id="18" dur="1" fill="hold">
-                                          <p:stCondLst>
-                                            <p:cond delay="0"/>
-                                          </p:stCondLst>
-                                        </p:cTn>
-                                        <p:tgtEl>
-                                          <p:spTgt spid="11">
-                                            <p:txEl>
-                                              <p:pRg st="3" end="3"/>
-                                            </p:txEl>
-                                          </p:spTgt>
-                                        </p:tgtEl>
-                                        <p:attrNameLst>
-                                          <p:attrName>style.visibility</p:attrName>
-                                        </p:attrNameLst>
-                                      </p:cBhvr>
-                                      <p:to>
-                                        <p:strVal val="visible"/>
-                                      </p:to>
-                                    </p:set>
-                                  </p:childTnLst>
-                                </p:cTn>
-                              </p:par>
-                            </p:childTnLst>
-                          </p:cTn>
-                        </p:par>
-                      </p:childTnLst>
-                    </p:cTn>
-                  </p:par>
-                </p:childTnLst>
-              </p:cTn>
-              <p:prevCondLst>
-                <p:cond evt="onPrev" delay="0">
-                  <p:tgtEl>
-                    <p:sldTgt/>
-                  </p:tgtEl>
-                </p:cond>
-              </p:prevCondLst>
-              <p:nextCondLst>
-                <p:cond evt="onNext" delay="0">
-                  <p:tgtEl>
-                    <p:sldTgt/>
-                  </p:tgtEl>
-                </p:cond>
-              </p:nextCondLst>
-            </p:seq>
-          </p:childTnLst>
-        </p:cTn>
-      </p:par>
-    </p:tnLst>
-  </p:timing>
-</p:sld>
-</file>
-
-<file path=ppt/slides/slide11.xml><?xml version="1.0" encoding="utf-8"?>
-<p:sld xmlns:a="http://schemas.openxmlformats.org/drawingml/2006/main" xmlns:r="http://schemas.openxmlformats.org/officeDocument/2006/relationships" xmlns:p="http://schemas.openxmlformats.org/presentationml/2006/main">
-  <p:cSld>
-    <p:spTree>
-      <p:nvGrpSpPr>
-        <p:cNvPr id="1" name=""/>
-        <p:cNvGrpSpPr/>
-        <p:nvPr/>
-      </p:nvGrpSpPr>
-      <p:grpSpPr>
-        <a:xfrm>
-          <a:off x="0" y="0"/>
-          <a:ext cx="0" cy="0"/>
-          <a:chOff x="0" y="0"/>
-          <a:chExt cx="0" cy="0"/>
-        </a:xfrm>
-      </p:grpSpPr>
-      <p:sp>
-        <p:nvSpPr>
           <p:cNvPr id="5" name="Title 1">
             <a:extLst>
               <a:ext uri="{FF2B5EF4-FFF2-40B4-BE49-F238E27FC236}">
@@ -3874,7 +3760,7 @@
             </a:pPr>
             <a:r>
               <a:rPr lang="de-CH" dirty="0"/>
-              <a:t>Benutzer müssen JSON Files bearbeiten um Parametrierung vor zu nehmen</a:t>
+              <a:t>Benutzer müssen JSON Files bearbeiten um Parametrierung vorzunehmen</a:t>
             </a:r>
           </a:p>
           <a:p>
@@ -4043,7 +3929,7 @@
                                         <p:tgtEl>
                                           <p:spTgt spid="6">
                                             <p:txEl>
-                                              <p:pRg st="2" end="2"/>
+                                              <p:pRg st="0" end="0"/>
                                             </p:txEl>
                                           </p:spTgt>
                                         </p:tgtEl>
@@ -4092,7 +3978,7 @@
                                         <p:tgtEl>
                                           <p:spTgt spid="6">
                                             <p:txEl>
-                                              <p:pRg st="3" end="3"/>
+                                              <p:pRg st="1" end="1"/>
                                             </p:txEl>
                                           </p:spTgt>
                                         </p:tgtEl>
@@ -4134,6 +4020,104 @@
                                     <p:set>
                                       <p:cBhvr>
                                         <p:cTn id="14" dur="1" fill="hold">
+                                          <p:stCondLst>
+                                            <p:cond delay="0"/>
+                                          </p:stCondLst>
+                                        </p:cTn>
+                                        <p:tgtEl>
+                                          <p:spTgt spid="6">
+                                            <p:txEl>
+                                              <p:pRg st="2" end="2"/>
+                                            </p:txEl>
+                                          </p:spTgt>
+                                        </p:tgtEl>
+                                        <p:attrNameLst>
+                                          <p:attrName>style.visibility</p:attrName>
+                                        </p:attrNameLst>
+                                      </p:cBhvr>
+                                      <p:to>
+                                        <p:strVal val="visible"/>
+                                      </p:to>
+                                    </p:set>
+                                  </p:childTnLst>
+                                </p:cTn>
+                              </p:par>
+                            </p:childTnLst>
+                          </p:cTn>
+                        </p:par>
+                      </p:childTnLst>
+                    </p:cTn>
+                  </p:par>
+                  <p:par>
+                    <p:cTn id="15" fill="hold">
+                      <p:stCondLst>
+                        <p:cond delay="indefinite"/>
+                      </p:stCondLst>
+                      <p:childTnLst>
+                        <p:par>
+                          <p:cTn id="16" fill="hold">
+                            <p:stCondLst>
+                              <p:cond delay="0"/>
+                            </p:stCondLst>
+                            <p:childTnLst>
+                              <p:par>
+                                <p:cTn id="17" presetID="1" presetClass="entr" presetSubtype="0" fill="hold" nodeType="clickEffect">
+                                  <p:stCondLst>
+                                    <p:cond delay="0"/>
+                                  </p:stCondLst>
+                                  <p:childTnLst>
+                                    <p:set>
+                                      <p:cBhvr>
+                                        <p:cTn id="18" dur="1" fill="hold">
+                                          <p:stCondLst>
+                                            <p:cond delay="0"/>
+                                          </p:stCondLst>
+                                        </p:cTn>
+                                        <p:tgtEl>
+                                          <p:spTgt spid="6">
+                                            <p:txEl>
+                                              <p:pRg st="3" end="3"/>
+                                            </p:txEl>
+                                          </p:spTgt>
+                                        </p:tgtEl>
+                                        <p:attrNameLst>
+                                          <p:attrName>style.visibility</p:attrName>
+                                        </p:attrNameLst>
+                                      </p:cBhvr>
+                                      <p:to>
+                                        <p:strVal val="visible"/>
+                                      </p:to>
+                                    </p:set>
+                                  </p:childTnLst>
+                                </p:cTn>
+                              </p:par>
+                            </p:childTnLst>
+                          </p:cTn>
+                        </p:par>
+                      </p:childTnLst>
+                    </p:cTn>
+                  </p:par>
+                  <p:par>
+                    <p:cTn id="19" fill="hold">
+                      <p:stCondLst>
+                        <p:cond delay="indefinite"/>
+                      </p:stCondLst>
+                      <p:childTnLst>
+                        <p:par>
+                          <p:cTn id="20" fill="hold">
+                            <p:stCondLst>
+                              <p:cond delay="0"/>
+                            </p:stCondLst>
+                            <p:childTnLst>
+                              <p:par>
+                                <p:cTn id="21" presetID="1" presetClass="entr" presetSubtype="0" fill="hold" nodeType="clickEffect">
+                                  <p:stCondLst>
+                                    <p:cond delay="0"/>
+                                  </p:stCondLst>
+                                  <p:childTnLst>
+                                    <p:set>
+                                      <p:cBhvr>
+                                        <p:cTn id="22" dur="1" fill="hold">
                                           <p:stCondLst>
                                             <p:cond delay="0"/>
                                           </p:stCondLst>
@@ -4187,7 +4171,7 @@
 </p:sld>
 </file>
 
-<file path=ppt/slides/slide12.xml><?xml version="1.0" encoding="utf-8"?>
+<file path=ppt/slides/slide11.xml><?xml version="1.0" encoding="utf-8"?>
 <p:sld xmlns:a="http://schemas.openxmlformats.org/drawingml/2006/main" xmlns:r="http://schemas.openxmlformats.org/officeDocument/2006/relationships" xmlns:p="http://schemas.openxmlformats.org/presentationml/2006/main">
   <p:cSld>
     <p:spTree>
@@ -4327,6 +4311,22 @@
             </a:pPr>
             <a:r>
               <a:rPr lang="de-CH" dirty="0"/>
+              <a:t>Erstellung des Zeitplans</a:t>
+            </a:r>
+          </a:p>
+          <a:p>
+            <a:pPr>
+              <a:lnSpc>
+                <a:spcPct val="300000"/>
+              </a:lnSpc>
+              <a:buClr>
+                <a:srgbClr val="00B0F0"/>
+              </a:buClr>
+              <a:buFont typeface="Wingdings" panose="05000000000000000000" pitchFamily="2" charset="2"/>
+              <a:buChar char="§"/>
+            </a:pPr>
+            <a:r>
+              <a:rPr lang="de-CH" dirty="0"/>
               <a:t>Use-Case Analyse</a:t>
             </a:r>
           </a:p>
@@ -4373,7 +4373,7 @@
           <a:p>
             <a:r>
               <a:rPr lang="de-CH" b="1" i="1" dirty="0"/>
-              <a:t>Was nun was tun…</a:t>
+              <a:t>Was nun?</a:t>
             </a:r>
           </a:p>
         </p:txBody>
@@ -4664,6 +4664,55 @@
                       </p:childTnLst>
                     </p:cTn>
                   </p:par>
+                  <p:par>
+                    <p:cTn id="19" fill="hold">
+                      <p:stCondLst>
+                        <p:cond delay="indefinite"/>
+                      </p:stCondLst>
+                      <p:childTnLst>
+                        <p:par>
+                          <p:cTn id="20" fill="hold">
+                            <p:stCondLst>
+                              <p:cond delay="0"/>
+                            </p:stCondLst>
+                            <p:childTnLst>
+                              <p:par>
+                                <p:cTn id="21" presetID="1" presetClass="entr" presetSubtype="0" fill="hold" grpId="0" nodeType="clickEffect">
+                                  <p:stCondLst>
+                                    <p:cond delay="0"/>
+                                  </p:stCondLst>
+                                  <p:childTnLst>
+                                    <p:set>
+                                      <p:cBhvr>
+                                        <p:cTn id="22" dur="1" fill="hold">
+                                          <p:stCondLst>
+                                            <p:cond delay="0"/>
+                                          </p:stCondLst>
+                                        </p:cTn>
+                                        <p:tgtEl>
+                                          <p:spTgt spid="6">
+                                            <p:txEl>
+                                              <p:pRg st="4" end="4"/>
+                                            </p:txEl>
+                                          </p:spTgt>
+                                        </p:tgtEl>
+                                        <p:attrNameLst>
+                                          <p:attrName>style.visibility</p:attrName>
+                                        </p:attrNameLst>
+                                      </p:cBhvr>
+                                      <p:to>
+                                        <p:strVal val="visible"/>
+                                      </p:to>
+                                    </p:set>
+                                  </p:childTnLst>
+                                </p:cTn>
+                              </p:par>
+                            </p:childTnLst>
+                          </p:cTn>
+                        </p:par>
+                      </p:childTnLst>
+                    </p:cTn>
+                  </p:par>
                 </p:childTnLst>
               </p:cTn>
               <p:prevCondLst>
@@ -4692,7 +4741,7 @@
 </p:sld>
 </file>
 
-<file path=ppt/slides/slide13.xml><?xml version="1.0" encoding="utf-8"?>
+<file path=ppt/slides/slide12.xml><?xml version="1.0" encoding="utf-8"?>
 <p:sld xmlns:a="http://schemas.openxmlformats.org/drawingml/2006/main" xmlns:r="http://schemas.openxmlformats.org/officeDocument/2006/relationships" xmlns:p="http://schemas.openxmlformats.org/presentationml/2006/main">
   <p:cSld>
     <p:spTree>
@@ -4849,6 +4898,35 @@
             <a:r>
               <a:rPr lang="de-CH" sz="1600" dirty="0"/>
               <a:t>Basierend auf Erfahrung von ähnlichen Arbeiten</a:t>
+            </a:r>
+          </a:p>
+          <a:p>
+            <a:pPr lvl="2">
+              <a:lnSpc>
+                <a:spcPct val="100000"/>
+              </a:lnSpc>
+              <a:buClr>
+                <a:srgbClr val="00B0F0"/>
+              </a:buClr>
+              <a:buFont typeface="Wingdings" panose="05000000000000000000" pitchFamily="2" charset="2"/>
+              <a:buChar char="§"/>
+            </a:pPr>
+            <a:endParaRPr lang="de-CH" sz="1600" dirty="0"/>
+          </a:p>
+          <a:p>
+            <a:pPr>
+              <a:lnSpc>
+                <a:spcPct val="100000"/>
+              </a:lnSpc>
+              <a:buClr>
+                <a:srgbClr val="00B0F0"/>
+              </a:buClr>
+              <a:buFont typeface="Wingdings" panose="05000000000000000000" pitchFamily="2" charset="2"/>
+              <a:buChar char="§"/>
+            </a:pPr>
+            <a:r>
+              <a:rPr lang="de-CH" dirty="0"/>
+              <a:t>Erstellung des Zeitplans</a:t>
             </a:r>
           </a:p>
           <a:p>
@@ -5211,6 +5289,55 @@
                       </p:childTnLst>
                     </p:cTn>
                   </p:par>
+                  <p:par>
+                    <p:cTn id="19" fill="hold">
+                      <p:stCondLst>
+                        <p:cond delay="indefinite"/>
+                      </p:stCondLst>
+                      <p:childTnLst>
+                        <p:par>
+                          <p:cTn id="20" fill="hold">
+                            <p:stCondLst>
+                              <p:cond delay="0"/>
+                            </p:stCondLst>
+                            <p:childTnLst>
+                              <p:par>
+                                <p:cTn id="21" presetID="1" presetClass="entr" presetSubtype="0" fill="hold" grpId="0" nodeType="clickEffect">
+                                  <p:stCondLst>
+                                    <p:cond delay="0"/>
+                                  </p:stCondLst>
+                                  <p:childTnLst>
+                                    <p:set>
+                                      <p:cBhvr>
+                                        <p:cTn id="22" dur="1" fill="hold">
+                                          <p:stCondLst>
+                                            <p:cond delay="0"/>
+                                          </p:stCondLst>
+                                        </p:cTn>
+                                        <p:tgtEl>
+                                          <p:spTgt spid="6">
+                                            <p:txEl>
+                                              <p:pRg st="6" end="6"/>
+                                            </p:txEl>
+                                          </p:spTgt>
+                                        </p:tgtEl>
+                                        <p:attrNameLst>
+                                          <p:attrName>style.visibility</p:attrName>
+                                        </p:attrNameLst>
+                                      </p:cBhvr>
+                                      <p:to>
+                                        <p:strVal val="visible"/>
+                                      </p:to>
+                                    </p:set>
+                                  </p:childTnLst>
+                                </p:cTn>
+                              </p:par>
+                            </p:childTnLst>
+                          </p:cTn>
+                        </p:par>
+                      </p:childTnLst>
+                    </p:cTn>
+                  </p:par>
                 </p:childTnLst>
               </p:cTn>
               <p:prevCondLst>
@@ -5239,7 +5366,7 @@
 </p:sld>
 </file>
 
-<file path=ppt/slides/slide14.xml><?xml version="1.0" encoding="utf-8"?>
+<file path=ppt/slides/slide13.xml><?xml version="1.0" encoding="utf-8"?>
 <p:sld xmlns:a="http://schemas.openxmlformats.org/drawingml/2006/main" xmlns:r="http://schemas.openxmlformats.org/officeDocument/2006/relationships" xmlns:p="http://schemas.openxmlformats.org/presentationml/2006/main">
   <p:cSld>
     <p:spTree>
@@ -5655,7 +5782,7 @@
 </p:sld>
 </file>
 
-<file path=ppt/slides/slide15.xml><?xml version="1.0" encoding="utf-8"?>
+<file path=ppt/slides/slide14.xml><?xml version="1.0" encoding="utf-8"?>
 <p:sld xmlns:a="http://schemas.openxmlformats.org/drawingml/2006/main" xmlns:r="http://schemas.openxmlformats.org/officeDocument/2006/relationships" xmlns:p="http://schemas.openxmlformats.org/presentationml/2006/main">
   <p:cSld>
     <p:spTree>
@@ -5793,7 +5920,7 @@
 </p:sld>
 </file>
 
-<file path=ppt/slides/slide16.xml><?xml version="1.0" encoding="utf-8"?>
+<file path=ppt/slides/slide15.xml><?xml version="1.0" encoding="utf-8"?>
 <p:sld xmlns:a="http://schemas.openxmlformats.org/drawingml/2006/main" xmlns:r="http://schemas.openxmlformats.org/officeDocument/2006/relationships" xmlns:p="http://schemas.openxmlformats.org/presentationml/2006/main">
   <p:cSld>
     <p:spTree>
@@ -6197,35 +6324,6 @@
               <a:t>Auswerten der Punktevergabe</a:t>
             </a:r>
           </a:p>
-          <a:p>
-            <a:pPr>
-              <a:lnSpc>
-                <a:spcPct val="300000"/>
-              </a:lnSpc>
-              <a:buClr>
-                <a:srgbClr val="00B0F0"/>
-              </a:buClr>
-              <a:buFont typeface="Wingdings" panose="05000000000000000000" pitchFamily="2" charset="2"/>
-              <a:buChar char="§"/>
-            </a:pPr>
-            <a:r>
-              <a:rPr lang="de-CH" dirty="0"/>
-              <a:t>Erstellung des Zeitplans aufgrund Aufwandschätzung</a:t>
-            </a:r>
-          </a:p>
-          <a:p>
-            <a:pPr>
-              <a:lnSpc>
-                <a:spcPct val="300000"/>
-              </a:lnSpc>
-              <a:buClr>
-                <a:srgbClr val="00B0F0"/>
-              </a:buClr>
-              <a:buFont typeface="Wingdings" panose="05000000000000000000" pitchFamily="2" charset="2"/>
-              <a:buChar char="§"/>
-            </a:pPr>
-            <a:endParaRPr lang="de-CH" dirty="0"/>
-          </a:p>
         </p:txBody>
       </p:sp>
     </p:spTree>
@@ -6289,15 +6387,33 @@
                                   </p:childTnLst>
                                 </p:cTn>
                               </p:par>
+                            </p:childTnLst>
+                          </p:cTn>
+                        </p:par>
+                      </p:childTnLst>
+                    </p:cTn>
+                  </p:par>
+                  <p:par>
+                    <p:cTn id="7" fill="hold">
+                      <p:stCondLst>
+                        <p:cond delay="indefinite"/>
+                      </p:stCondLst>
+                      <p:childTnLst>
+                        <p:par>
+                          <p:cTn id="8" fill="hold">
+                            <p:stCondLst>
+                              <p:cond delay="0"/>
+                            </p:stCondLst>
+                            <p:childTnLst>
                               <p:par>
-                                <p:cTn id="7" presetID="1" presetClass="entr" presetSubtype="0" fill="hold" grpId="0" nodeType="withEffect">
+                                <p:cTn id="9" presetID="1" presetClass="entr" presetSubtype="0" fill="hold" grpId="0" nodeType="clickEffect">
                                   <p:stCondLst>
                                     <p:cond delay="0"/>
                                   </p:stCondLst>
                                   <p:childTnLst>
                                     <p:set>
                                       <p:cBhvr>
-                                        <p:cTn id="8" dur="1" fill="hold">
+                                        <p:cTn id="10" dur="1" fill="hold">
                                           <p:stCondLst>
                                             <p:cond delay="0"/>
                                           </p:stCondLst>
@@ -6320,70 +6436,26 @@
                                   </p:childTnLst>
                                 </p:cTn>
                               </p:par>
+                            </p:childTnLst>
+                          </p:cTn>
+                        </p:par>
+                      </p:childTnLst>
+                    </p:cTn>
+                  </p:par>
+                  <p:par>
+                    <p:cTn id="11" fill="hold">
+                      <p:stCondLst>
+                        <p:cond delay="indefinite"/>
+                      </p:stCondLst>
+                      <p:childTnLst>
+                        <p:par>
+                          <p:cTn id="12" fill="hold">
+                            <p:stCondLst>
+                              <p:cond delay="0"/>
+                            </p:stCondLst>
+                            <p:childTnLst>
                               <p:par>
-                                <p:cTn id="9" presetID="1" presetClass="entr" presetSubtype="0" fill="hold" grpId="0" nodeType="withEffect">
-                                  <p:stCondLst>
-                                    <p:cond delay="0"/>
-                                  </p:stCondLst>
-                                  <p:childTnLst>
-                                    <p:set>
-                                      <p:cBhvr>
-                                        <p:cTn id="10" dur="1" fill="hold">
-                                          <p:stCondLst>
-                                            <p:cond delay="0"/>
-                                          </p:stCondLst>
-                                        </p:cTn>
-                                        <p:tgtEl>
-                                          <p:spTgt spid="9">
-                                            <p:txEl>
-                                              <p:pRg st="2" end="2"/>
-                                            </p:txEl>
-                                          </p:spTgt>
-                                        </p:tgtEl>
-                                        <p:attrNameLst>
-                                          <p:attrName>style.visibility</p:attrName>
-                                        </p:attrNameLst>
-                                      </p:cBhvr>
-                                      <p:to>
-                                        <p:strVal val="visible"/>
-                                      </p:to>
-                                    </p:set>
-                                  </p:childTnLst>
-                                </p:cTn>
-                              </p:par>
-                              <p:par>
-                                <p:cTn id="11" presetID="1" presetClass="entr" presetSubtype="0" fill="hold" grpId="0" nodeType="withEffect">
-                                  <p:stCondLst>
-                                    <p:cond delay="0"/>
-                                  </p:stCondLst>
-                                  <p:childTnLst>
-                                    <p:set>
-                                      <p:cBhvr>
-                                        <p:cTn id="12" dur="1" fill="hold">
-                                          <p:stCondLst>
-                                            <p:cond delay="0"/>
-                                          </p:stCondLst>
-                                        </p:cTn>
-                                        <p:tgtEl>
-                                          <p:spTgt spid="9">
-                                            <p:txEl>
-                                              <p:pRg st="3" end="3"/>
-                                            </p:txEl>
-                                          </p:spTgt>
-                                        </p:tgtEl>
-                                        <p:attrNameLst>
-                                          <p:attrName>style.visibility</p:attrName>
-                                        </p:attrNameLst>
-                                      </p:cBhvr>
-                                      <p:to>
-                                        <p:strVal val="visible"/>
-                                      </p:to>
-                                    </p:set>
-                                  </p:childTnLst>
-                                </p:cTn>
-                              </p:par>
-                              <p:par>
-                                <p:cTn id="13" presetID="1" presetClass="entr" presetSubtype="0" fill="hold" grpId="0" nodeType="withEffect">
+                                <p:cTn id="13" presetID="1" presetClass="entr" presetSubtype="0" fill="hold" grpId="0" nodeType="clickEffect">
                                   <p:stCondLst>
                                     <p:cond delay="0"/>
                                   </p:stCondLst>
@@ -6398,7 +6470,7 @@
                                         <p:tgtEl>
                                           <p:spTgt spid="9">
                                             <p:txEl>
-                                              <p:pRg st="4" end="4"/>
+                                              <p:pRg st="2" end="2"/>
                                             </p:txEl>
                                           </p:spTgt>
                                         </p:tgtEl>
@@ -6447,7 +6519,56 @@
                                         <p:tgtEl>
                                           <p:spTgt spid="9">
                                             <p:txEl>
-                                              <p:pRg st="5" end="5"/>
+                                              <p:pRg st="3" end="3"/>
+                                            </p:txEl>
+                                          </p:spTgt>
+                                        </p:tgtEl>
+                                        <p:attrNameLst>
+                                          <p:attrName>style.visibility</p:attrName>
+                                        </p:attrNameLst>
+                                      </p:cBhvr>
+                                      <p:to>
+                                        <p:strVal val="visible"/>
+                                      </p:to>
+                                    </p:set>
+                                  </p:childTnLst>
+                                </p:cTn>
+                              </p:par>
+                            </p:childTnLst>
+                          </p:cTn>
+                        </p:par>
+                      </p:childTnLst>
+                    </p:cTn>
+                  </p:par>
+                  <p:par>
+                    <p:cTn id="19" fill="hold">
+                      <p:stCondLst>
+                        <p:cond delay="indefinite"/>
+                      </p:stCondLst>
+                      <p:childTnLst>
+                        <p:par>
+                          <p:cTn id="20" fill="hold">
+                            <p:stCondLst>
+                              <p:cond delay="0"/>
+                            </p:stCondLst>
+                            <p:childTnLst>
+                              <p:par>
+                                <p:cTn id="21" presetID="1" presetClass="entr" presetSubtype="0" fill="hold" grpId="0" nodeType="clickEffect">
+                                  <p:stCondLst>
+                                    <p:cond delay="0"/>
+                                  </p:stCondLst>
+                                  <p:childTnLst>
+                                    <p:set>
+                                      <p:cBhvr>
+                                        <p:cTn id="22" dur="1" fill="hold">
+                                          <p:stCondLst>
+                                            <p:cond delay="0"/>
+                                          </p:stCondLst>
+                                        </p:cTn>
+                                        <p:tgtEl>
+                                          <p:spTgt spid="9">
+                                            <p:txEl>
+                                              <p:pRg st="4" end="4"/>
                                             </p:txEl>
                                           </p:spTgt>
                                         </p:tgtEl>
@@ -6490,13 +6611,13 @@
       </p:par>
     </p:tnLst>
     <p:bldLst>
-      <p:bldP spid="9" grpId="0" build="p"/>
+      <p:bldP spid="9" grpId="0" uiExpand="1" build="p"/>
     </p:bldLst>
   </p:timing>
 </p:sld>
 </file>
 
-<file path=ppt/slides/slide17.xml><?xml version="1.0" encoding="utf-8"?>
+<file path=ppt/slides/slide16.xml><?xml version="1.0" encoding="utf-8"?>
 <p:sld xmlns:a="http://schemas.openxmlformats.org/drawingml/2006/main" xmlns:r="http://schemas.openxmlformats.org/officeDocument/2006/relationships" xmlns:p="http://schemas.openxmlformats.org/presentationml/2006/main">
   <p:cSld>
     <p:spTree>
@@ -6806,7 +6927,7 @@
             <a:endParaRPr lang="de-CH" b="1" dirty="0"/>
           </a:p>
           <a:p>
-            <a:pPr lvl="2">
+            <a:pPr>
               <a:lnSpc>
                 <a:spcPct val="100000"/>
               </a:lnSpc>
@@ -6822,7 +6943,7 @@
             </a:r>
           </a:p>
           <a:p>
-            <a:pPr lvl="2">
+            <a:pPr>
               <a:lnSpc>
                 <a:spcPct val="100000"/>
               </a:lnSpc>
@@ -6838,7 +6959,7 @@
             </a:r>
           </a:p>
           <a:p>
-            <a:pPr lvl="2">
+            <a:pPr>
               <a:lnSpc>
                 <a:spcPct val="100000"/>
               </a:lnSpc>
@@ -6896,7 +7017,7 @@
             <a:endParaRPr lang="de-CH" b="1" dirty="0"/>
           </a:p>
           <a:p>
-            <a:pPr lvl="2">
+            <a:pPr>
               <a:lnSpc>
                 <a:spcPct val="100000"/>
               </a:lnSpc>
@@ -6912,7 +7033,7 @@
             </a:r>
           </a:p>
           <a:p>
-            <a:pPr lvl="2">
+            <a:pPr>
               <a:lnSpc>
                 <a:spcPct val="100000"/>
               </a:lnSpc>
@@ -6928,7 +7049,7 @@
             </a:r>
           </a:p>
           <a:p>
-            <a:pPr lvl="2">
+            <a:pPr>
               <a:lnSpc>
                 <a:spcPct val="100000"/>
               </a:lnSpc>
@@ -6944,7 +7065,7 @@
             </a:r>
           </a:p>
           <a:p>
-            <a:pPr lvl="2">
+            <a:pPr>
               <a:lnSpc>
                 <a:spcPct val="100000"/>
               </a:lnSpc>
@@ -7071,15 +7192,33 @@
                                   </p:childTnLst>
                                 </p:cTn>
                               </p:par>
+                            </p:childTnLst>
+                          </p:cTn>
+                        </p:par>
+                      </p:childTnLst>
+                    </p:cTn>
+                  </p:par>
+                  <p:par>
+                    <p:cTn id="7" fill="hold">
+                      <p:stCondLst>
+                        <p:cond delay="indefinite"/>
+                      </p:stCondLst>
+                      <p:childTnLst>
+                        <p:par>
+                          <p:cTn id="8" fill="hold">
+                            <p:stCondLst>
+                              <p:cond delay="0"/>
+                            </p:stCondLst>
+                            <p:childTnLst>
                               <p:par>
-                                <p:cTn id="7" presetID="1" presetClass="entr" presetSubtype="0" fill="hold" grpId="0" nodeType="withEffect">
+                                <p:cTn id="9" presetID="1" presetClass="entr" presetSubtype="0" fill="hold" nodeType="clickEffect">
                                   <p:stCondLst>
                                     <p:cond delay="0"/>
                                   </p:stCondLst>
                                   <p:childTnLst>
                                     <p:set>
                                       <p:cBhvr>
-                                        <p:cTn id="8" dur="1" fill="hold">
+                                        <p:cTn id="10" dur="1" fill="hold">
                                           <p:stCondLst>
                                             <p:cond delay="0"/>
                                           </p:stCondLst>
@@ -7102,15 +7241,33 @@
                                   </p:childTnLst>
                                 </p:cTn>
                               </p:par>
+                            </p:childTnLst>
+                          </p:cTn>
+                        </p:par>
+                      </p:childTnLst>
+                    </p:cTn>
+                  </p:par>
+                  <p:par>
+                    <p:cTn id="11" fill="hold">
+                      <p:stCondLst>
+                        <p:cond delay="indefinite"/>
+                      </p:stCondLst>
+                      <p:childTnLst>
+                        <p:par>
+                          <p:cTn id="12" fill="hold">
+                            <p:stCondLst>
+                              <p:cond delay="0"/>
+                            </p:stCondLst>
+                            <p:childTnLst>
                               <p:par>
-                                <p:cTn id="9" presetID="1" presetClass="entr" presetSubtype="0" fill="hold" grpId="0" nodeType="withEffect">
+                                <p:cTn id="13" presetID="1" presetClass="entr" presetSubtype="0" fill="hold" nodeType="clickEffect">
                                   <p:stCondLst>
                                     <p:cond delay="0"/>
                                   </p:stCondLst>
                                   <p:childTnLst>
                                     <p:set>
                                       <p:cBhvr>
-                                        <p:cTn id="10" dur="1" fill="hold">
+                                        <p:cTn id="14" dur="1" fill="hold">
                                           <p:stCondLst>
                                             <p:cond delay="0"/>
                                           </p:stCondLst>
@@ -7133,15 +7290,33 @@
                                   </p:childTnLst>
                                 </p:cTn>
                               </p:par>
+                            </p:childTnLst>
+                          </p:cTn>
+                        </p:par>
+                      </p:childTnLst>
+                    </p:cTn>
+                  </p:par>
+                  <p:par>
+                    <p:cTn id="15" fill="hold">
+                      <p:stCondLst>
+                        <p:cond delay="indefinite"/>
+                      </p:stCondLst>
+                      <p:childTnLst>
+                        <p:par>
+                          <p:cTn id="16" fill="hold">
+                            <p:stCondLst>
+                              <p:cond delay="0"/>
+                            </p:stCondLst>
+                            <p:childTnLst>
                               <p:par>
-                                <p:cTn id="11" presetID="1" presetClass="entr" presetSubtype="0" fill="hold" grpId="0" nodeType="withEffect">
+                                <p:cTn id="17" presetID="1" presetClass="entr" presetSubtype="0" fill="hold" nodeType="clickEffect">
                                   <p:stCondLst>
                                     <p:cond delay="0"/>
                                   </p:stCondLst>
                                   <p:childTnLst>
                                     <p:set>
                                       <p:cBhvr>
-                                        <p:cTn id="12" dur="1" fill="hold">
+                                        <p:cTn id="18" dur="1" fill="hold">
                                           <p:stCondLst>
                                             <p:cond delay="0"/>
                                           </p:stCondLst>
@@ -7171,26 +7346,26 @@
                     </p:cTn>
                   </p:par>
                   <p:par>
-                    <p:cTn id="13" fill="hold">
+                    <p:cTn id="19" fill="hold">
                       <p:stCondLst>
                         <p:cond delay="indefinite"/>
                       </p:stCondLst>
                       <p:childTnLst>
                         <p:par>
-                          <p:cTn id="14" fill="hold">
+                          <p:cTn id="20" fill="hold">
                             <p:stCondLst>
                               <p:cond delay="0"/>
                             </p:stCondLst>
                             <p:childTnLst>
                               <p:par>
-                                <p:cTn id="15" presetID="1" presetClass="entr" presetSubtype="0" fill="hold" grpId="0" nodeType="clickEffect">
+                                <p:cTn id="21" presetID="1" presetClass="entr" presetSubtype="0" fill="hold" nodeType="clickEffect">
                                   <p:stCondLst>
                                     <p:cond delay="0"/>
                                   </p:stCondLst>
                                   <p:childTnLst>
                                     <p:set>
                                       <p:cBhvr>
-                                        <p:cTn id="16" dur="1" fill="hold">
+                                        <p:cTn id="22" dur="1" fill="hold">
                                           <p:stCondLst>
                                             <p:cond delay="0"/>
                                           </p:stCondLst>
@@ -7199,6 +7374,202 @@
                                           <p:spTgt spid="8">
                                             <p:txEl>
                                               <p:pRg st="6" end="6"/>
+                                            </p:txEl>
+                                          </p:spTgt>
+                                        </p:tgtEl>
+                                        <p:attrNameLst>
+                                          <p:attrName>style.visibility</p:attrName>
+                                        </p:attrNameLst>
+                                      </p:cBhvr>
+                                      <p:to>
+                                        <p:strVal val="visible"/>
+                                      </p:to>
+                                    </p:set>
+                                  </p:childTnLst>
+                                </p:cTn>
+                              </p:par>
+                            </p:childTnLst>
+                          </p:cTn>
+                        </p:par>
+                      </p:childTnLst>
+                    </p:cTn>
+                  </p:par>
+                  <p:par>
+                    <p:cTn id="23" fill="hold">
+                      <p:stCondLst>
+                        <p:cond delay="indefinite"/>
+                      </p:stCondLst>
+                      <p:childTnLst>
+                        <p:par>
+                          <p:cTn id="24" fill="hold">
+                            <p:stCondLst>
+                              <p:cond delay="0"/>
+                            </p:stCondLst>
+                            <p:childTnLst>
+                              <p:par>
+                                <p:cTn id="25" presetID="1" presetClass="entr" presetSubtype="0" fill="hold" nodeType="clickEffect">
+                                  <p:stCondLst>
+                                    <p:cond delay="0"/>
+                                  </p:stCondLst>
+                                  <p:childTnLst>
+                                    <p:set>
+                                      <p:cBhvr>
+                                        <p:cTn id="26" dur="1" fill="hold">
+                                          <p:stCondLst>
+                                            <p:cond delay="0"/>
+                                          </p:stCondLst>
+                                        </p:cTn>
+                                        <p:tgtEl>
+                                          <p:spTgt spid="8">
+                                            <p:txEl>
+                                              <p:pRg st="7" end="7"/>
+                                            </p:txEl>
+                                          </p:spTgt>
+                                        </p:tgtEl>
+                                        <p:attrNameLst>
+                                          <p:attrName>style.visibility</p:attrName>
+                                        </p:attrNameLst>
+                                      </p:cBhvr>
+                                      <p:to>
+                                        <p:strVal val="visible"/>
+                                      </p:to>
+                                    </p:set>
+                                  </p:childTnLst>
+                                </p:cTn>
+                              </p:par>
+                            </p:childTnLst>
+                          </p:cTn>
+                        </p:par>
+                      </p:childTnLst>
+                    </p:cTn>
+                  </p:par>
+                  <p:par>
+                    <p:cTn id="27" fill="hold">
+                      <p:stCondLst>
+                        <p:cond delay="indefinite"/>
+                      </p:stCondLst>
+                      <p:childTnLst>
+                        <p:par>
+                          <p:cTn id="28" fill="hold">
+                            <p:stCondLst>
+                              <p:cond delay="0"/>
+                            </p:stCondLst>
+                            <p:childTnLst>
+                              <p:par>
+                                <p:cTn id="29" presetID="1" presetClass="entr" presetSubtype="0" fill="hold" nodeType="clickEffect">
+                                  <p:stCondLst>
+                                    <p:cond delay="0"/>
+                                  </p:stCondLst>
+                                  <p:childTnLst>
+                                    <p:set>
+                                      <p:cBhvr>
+                                        <p:cTn id="30" dur="1" fill="hold">
+                                          <p:stCondLst>
+                                            <p:cond delay="0"/>
+                                          </p:stCondLst>
+                                        </p:cTn>
+                                        <p:tgtEl>
+                                          <p:spTgt spid="8">
+                                            <p:txEl>
+                                              <p:pRg st="8" end="8"/>
+                                            </p:txEl>
+                                          </p:spTgt>
+                                        </p:tgtEl>
+                                        <p:attrNameLst>
+                                          <p:attrName>style.visibility</p:attrName>
+                                        </p:attrNameLst>
+                                      </p:cBhvr>
+                                      <p:to>
+                                        <p:strVal val="visible"/>
+                                      </p:to>
+                                    </p:set>
+                                  </p:childTnLst>
+                                </p:cTn>
+                              </p:par>
+                            </p:childTnLst>
+                          </p:cTn>
+                        </p:par>
+                      </p:childTnLst>
+                    </p:cTn>
+                  </p:par>
+                  <p:par>
+                    <p:cTn id="31" fill="hold">
+                      <p:stCondLst>
+                        <p:cond delay="indefinite"/>
+                      </p:stCondLst>
+                      <p:childTnLst>
+                        <p:par>
+                          <p:cTn id="32" fill="hold">
+                            <p:stCondLst>
+                              <p:cond delay="0"/>
+                            </p:stCondLst>
+                            <p:childTnLst>
+                              <p:par>
+                                <p:cTn id="33" presetID="1" presetClass="entr" presetSubtype="0" fill="hold" nodeType="clickEffect">
+                                  <p:stCondLst>
+                                    <p:cond delay="0"/>
+                                  </p:stCondLst>
+                                  <p:childTnLst>
+                                    <p:set>
+                                      <p:cBhvr>
+                                        <p:cTn id="34" dur="1" fill="hold">
+                                          <p:stCondLst>
+                                            <p:cond delay="0"/>
+                                          </p:stCondLst>
+                                        </p:cTn>
+                                        <p:tgtEl>
+                                          <p:spTgt spid="8">
+                                            <p:txEl>
+                                              <p:pRg st="9" end="9"/>
+                                            </p:txEl>
+                                          </p:spTgt>
+                                        </p:tgtEl>
+                                        <p:attrNameLst>
+                                          <p:attrName>style.visibility</p:attrName>
+                                        </p:attrNameLst>
+                                      </p:cBhvr>
+                                      <p:to>
+                                        <p:strVal val="visible"/>
+                                      </p:to>
+                                    </p:set>
+                                  </p:childTnLst>
+                                </p:cTn>
+                              </p:par>
+                            </p:childTnLst>
+                          </p:cTn>
+                        </p:par>
+                      </p:childTnLst>
+                    </p:cTn>
+                  </p:par>
+                  <p:par>
+                    <p:cTn id="35" fill="hold">
+                      <p:stCondLst>
+                        <p:cond delay="indefinite"/>
+                      </p:stCondLst>
+                      <p:childTnLst>
+                        <p:par>
+                          <p:cTn id="36" fill="hold">
+                            <p:stCondLst>
+                              <p:cond delay="0"/>
+                            </p:stCondLst>
+                            <p:childTnLst>
+                              <p:par>
+                                <p:cTn id="37" presetID="1" presetClass="entr" presetSubtype="0" fill="hold" nodeType="clickEffect">
+                                  <p:stCondLst>
+                                    <p:cond delay="0"/>
+                                  </p:stCondLst>
+                                  <p:childTnLst>
+                                    <p:set>
+                                      <p:cBhvr>
+                                        <p:cTn id="38" dur="1" fill="hold">
+                                          <p:stCondLst>
+                                            <p:cond delay="0"/>
+                                          </p:stCondLst>
+                                        </p:cTn>
+                                        <p:tgtEl>
+                                          <p:spTgt spid="8">
+                                            <p:txEl>
+                                              <p:pRg st="10" end="10"/>
                                             </p:txEl>
                                           </p:spTgt>
                                         </p:tgtEl>
@@ -7241,13 +7612,13 @@
       </p:par>
     </p:tnLst>
     <p:bldLst>
-      <p:bldP spid="8" grpId="0" build="p"/>
+      <p:bldP spid="8" grpId="0" uiExpand="1" build="p"/>
     </p:bldLst>
   </p:timing>
 </p:sld>
 </file>
 
-<file path=ppt/slides/slide18.xml><?xml version="1.0" encoding="utf-8"?>
+<file path=ppt/slides/slide17.xml><?xml version="1.0" encoding="utf-8"?>
 <p:sld xmlns:a="http://schemas.openxmlformats.org/drawingml/2006/main" xmlns:r="http://schemas.openxmlformats.org/officeDocument/2006/relationships" xmlns:p="http://schemas.openxmlformats.org/presentationml/2006/main">
   <p:cSld>
     <p:spTree>
@@ -7884,7 +8255,7 @@
 </p:sld>
 </file>
 
-<file path=ppt/slides/slide19.xml><?xml version="1.0" encoding="utf-8"?>
+<file path=ppt/slides/slide18.xml><?xml version="1.0" encoding="utf-8"?>
 <p:sld xmlns:a="http://schemas.openxmlformats.org/drawingml/2006/main" xmlns:r="http://schemas.openxmlformats.org/officeDocument/2006/relationships" xmlns:p="http://schemas.openxmlformats.org/presentationml/2006/main">
   <p:cSld>
     <p:spTree>
@@ -8019,374 +8390,7 @@
 </p:sld>
 </file>
 
-<file path=ppt/slides/slide2.xml><?xml version="1.0" encoding="utf-8"?>
-<p:sld xmlns:a="http://schemas.openxmlformats.org/drawingml/2006/main" xmlns:r="http://schemas.openxmlformats.org/officeDocument/2006/relationships" xmlns:p="http://schemas.openxmlformats.org/presentationml/2006/main">
-  <p:cSld>
-    <p:spTree>
-      <p:nvGrpSpPr>
-        <p:cNvPr id="1" name=""/>
-        <p:cNvGrpSpPr/>
-        <p:nvPr/>
-      </p:nvGrpSpPr>
-      <p:grpSpPr>
-        <a:xfrm>
-          <a:off x="0" y="0"/>
-          <a:ext cx="0" cy="0"/>
-          <a:chOff x="0" y="0"/>
-          <a:chExt cx="0" cy="0"/>
-        </a:xfrm>
-      </p:grpSpPr>
-      <p:sp>
-        <p:nvSpPr>
-          <p:cNvPr id="2" name="Title 1">
-            <a:extLst>
-              <a:ext uri="{FF2B5EF4-FFF2-40B4-BE49-F238E27FC236}">
-                <a16:creationId xmlns:a16="http://schemas.microsoft.com/office/drawing/2014/main" id="{33E61119-F02D-4E38-9A19-3D3A18CFB4AE}"/>
-              </a:ext>
-            </a:extLst>
-          </p:cNvPr>
-          <p:cNvSpPr>
-            <a:spLocks noGrp="1"/>
-          </p:cNvSpPr>
-          <p:nvPr>
-            <p:ph type="title"/>
-          </p:nvPr>
-        </p:nvSpPr>
-        <p:spPr/>
-        <p:txBody>
-          <a:bodyPr/>
-          <a:lstStyle/>
-          <a:p>
-            <a:r>
-              <a:rPr lang="de-CH" sz="1200" dirty="0"/>
-              <a:t>Willkommen-</a:t>
-            </a:r>
-            <a:r>
-              <a:rPr lang="de-CH" dirty="0"/>
-              <a:t>Agenda</a:t>
-            </a:r>
-          </a:p>
-        </p:txBody>
-      </p:sp>
-      <p:sp>
-        <p:nvSpPr>
-          <p:cNvPr id="4" name="Rectangle 3">
-            <a:extLst>
-              <a:ext uri="{FF2B5EF4-FFF2-40B4-BE49-F238E27FC236}">
-                <a16:creationId xmlns:a16="http://schemas.microsoft.com/office/drawing/2014/main" id="{D6754DB2-4AE3-4DF4-926E-4D46CAD31382}"/>
-              </a:ext>
-            </a:extLst>
-          </p:cNvPr>
-          <p:cNvSpPr/>
-          <p:nvPr/>
-        </p:nvSpPr>
-        <p:spPr>
-          <a:xfrm>
-            <a:off x="936000" y="836712"/>
-            <a:ext cx="7884000" cy="5969583"/>
-          </a:xfrm>
-          <a:prstGeom prst="rect">
-            <a:avLst/>
-          </a:prstGeom>
-        </p:spPr>
-        <p:txBody>
-          <a:bodyPr wrap="square">
-            <a:spAutoFit/>
-          </a:bodyPr>
-          <a:lstStyle/>
-          <a:p>
-            <a:pPr>
-              <a:buClr>
-                <a:srgbClr val="00B0F0"/>
-              </a:buClr>
-              <a:buFont typeface="Wingdings" panose="05000000000000000000" pitchFamily="2" charset="2"/>
-              <a:buChar char="§"/>
-            </a:pPr>
-            <a:r>
-              <a:rPr lang="de-CH" b="1" dirty="0"/>
-              <a:t>Einführung</a:t>
-            </a:r>
-          </a:p>
-          <a:p>
-            <a:pPr lvl="1">
-              <a:buClr>
-                <a:srgbClr val="00B0F0"/>
-              </a:buClr>
-              <a:buFont typeface="Wingdings" panose="05000000000000000000" pitchFamily="2" charset="2"/>
-              <a:buChar char="§"/>
-            </a:pPr>
-            <a:r>
-              <a:rPr lang="de-CH" sz="1600" dirty="0"/>
-              <a:t>Kurzvorstellung CMI</a:t>
-            </a:r>
-          </a:p>
-          <a:p>
-            <a:pPr lvl="1">
-              <a:buClr>
-                <a:srgbClr val="00B0F0"/>
-              </a:buClr>
-              <a:buFont typeface="Wingdings" panose="05000000000000000000" pitchFamily="2" charset="2"/>
-              <a:buChar char="§"/>
-            </a:pPr>
-            <a:r>
-              <a:rPr lang="de-CH" sz="1600" dirty="0"/>
-              <a:t>Projekt Viaduc</a:t>
-            </a:r>
-          </a:p>
-          <a:p>
-            <a:pPr lvl="1">
-              <a:buClr>
-                <a:srgbClr val="00B0F0"/>
-              </a:buClr>
-              <a:buFont typeface="Wingdings" panose="05000000000000000000" pitchFamily="2" charset="2"/>
-              <a:buChar char="§"/>
-            </a:pPr>
-            <a:r>
-              <a:rPr lang="de-CH" sz="1600" dirty="0"/>
-              <a:t>Eingesetzte Technologien</a:t>
-            </a:r>
-          </a:p>
-          <a:p>
-            <a:pPr>
-              <a:lnSpc>
-                <a:spcPct val="250000"/>
-              </a:lnSpc>
-              <a:buClr>
-                <a:srgbClr val="00B0F0"/>
-              </a:buClr>
-              <a:buFont typeface="Wingdings" panose="05000000000000000000" pitchFamily="2" charset="2"/>
-              <a:buChar char="§"/>
-            </a:pPr>
-            <a:r>
-              <a:rPr lang="de-CH" b="1" dirty="0"/>
-              <a:t>IPA Projekt</a:t>
-            </a:r>
-          </a:p>
-          <a:p>
-            <a:pPr lvl="1">
-              <a:buClr>
-                <a:srgbClr val="00B0F0"/>
-              </a:buClr>
-              <a:buFont typeface="Wingdings" panose="05000000000000000000" pitchFamily="2" charset="2"/>
-              <a:buChar char="§"/>
-            </a:pPr>
-            <a:r>
-              <a:rPr lang="de-CH" sz="1600" b="1" dirty="0"/>
-              <a:t>I</a:t>
-            </a:r>
-            <a:r>
-              <a:rPr lang="de-CH" sz="1600" dirty="0"/>
-              <a:t>:  Problemstellung </a:t>
-            </a:r>
-          </a:p>
-          <a:p>
-            <a:pPr lvl="1">
-              <a:buClr>
-                <a:srgbClr val="00B0F0"/>
-              </a:buClr>
-              <a:buFont typeface="Wingdings" panose="05000000000000000000" pitchFamily="2" charset="2"/>
-              <a:buChar char="§"/>
-            </a:pPr>
-            <a:r>
-              <a:rPr lang="de-CH" sz="1600" b="1" dirty="0"/>
-              <a:t>P</a:t>
-            </a:r>
-            <a:r>
-              <a:rPr lang="de-CH" sz="1600" dirty="0"/>
-              <a:t>: Anforderungsanalyse</a:t>
-            </a:r>
-          </a:p>
-          <a:p>
-            <a:pPr lvl="1">
-              <a:buClr>
-                <a:srgbClr val="00B0F0"/>
-              </a:buClr>
-              <a:buFont typeface="Wingdings" panose="05000000000000000000" pitchFamily="2" charset="2"/>
-              <a:buChar char="§"/>
-            </a:pPr>
-            <a:r>
-              <a:rPr lang="de-CH" sz="1600" b="1" dirty="0"/>
-              <a:t>E</a:t>
-            </a:r>
-            <a:r>
-              <a:rPr lang="de-CH" sz="1600" dirty="0"/>
-              <a:t>: Realisationsplanung</a:t>
-            </a:r>
-          </a:p>
-          <a:p>
-            <a:pPr lvl="1">
-              <a:buClr>
-                <a:srgbClr val="00B0F0"/>
-              </a:buClr>
-              <a:buFont typeface="Wingdings" panose="05000000000000000000" pitchFamily="2" charset="2"/>
-              <a:buChar char="§"/>
-            </a:pPr>
-            <a:r>
-              <a:rPr lang="de-CH" sz="1600" b="1" dirty="0"/>
-              <a:t>R</a:t>
-            </a:r>
-            <a:r>
-              <a:rPr lang="de-CH" sz="1600" dirty="0"/>
-              <a:t>: Realisation</a:t>
-            </a:r>
-          </a:p>
-          <a:p>
-            <a:pPr lvl="1">
-              <a:buClr>
-                <a:srgbClr val="00B0F0"/>
-              </a:buClr>
-              <a:buFont typeface="Wingdings" panose="05000000000000000000" pitchFamily="2" charset="2"/>
-              <a:buChar char="§"/>
-            </a:pPr>
-            <a:r>
-              <a:rPr lang="de-CH" sz="1600" b="1" dirty="0"/>
-              <a:t>K</a:t>
-            </a:r>
-            <a:r>
-              <a:rPr lang="de-CH" sz="1600" dirty="0"/>
-              <a:t>: Testing</a:t>
-            </a:r>
-          </a:p>
-          <a:p>
-            <a:pPr lvl="1">
-              <a:buClr>
-                <a:srgbClr val="00B0F0"/>
-              </a:buClr>
-              <a:buFont typeface="Wingdings" panose="05000000000000000000" pitchFamily="2" charset="2"/>
-              <a:buChar char="§"/>
-            </a:pPr>
-            <a:r>
-              <a:rPr lang="de-CH" sz="1600" b="1" dirty="0"/>
-              <a:t>A</a:t>
-            </a:r>
-            <a:r>
-              <a:rPr lang="de-CH" sz="1600" dirty="0"/>
-              <a:t>: Live Demo</a:t>
-            </a:r>
-          </a:p>
-          <a:p>
-            <a:pPr>
-              <a:lnSpc>
-                <a:spcPct val="250000"/>
-              </a:lnSpc>
-              <a:buClr>
-                <a:srgbClr val="00B0F0"/>
-              </a:buClr>
-              <a:buFont typeface="Wingdings" panose="05000000000000000000" pitchFamily="2" charset="2"/>
-              <a:buChar char="§"/>
-            </a:pPr>
-            <a:r>
-              <a:rPr lang="de-CH" b="1" dirty="0"/>
-              <a:t>Abschluss</a:t>
-            </a:r>
-          </a:p>
-          <a:p>
-            <a:pPr lvl="1">
-              <a:buClr>
-                <a:srgbClr val="00B0F0"/>
-              </a:buClr>
-              <a:buFont typeface="Wingdings" panose="05000000000000000000" pitchFamily="2" charset="2"/>
-              <a:buChar char="§"/>
-            </a:pPr>
-            <a:r>
-              <a:rPr lang="de-CH" sz="1600" dirty="0"/>
-              <a:t>Fazit</a:t>
-            </a:r>
-          </a:p>
-          <a:p>
-            <a:pPr lvl="1">
-              <a:buClr>
-                <a:srgbClr val="00B0F0"/>
-              </a:buClr>
-              <a:buFont typeface="Wingdings" panose="05000000000000000000" pitchFamily="2" charset="2"/>
-              <a:buChar char="§"/>
-            </a:pPr>
-            <a:r>
-              <a:rPr lang="de-CH" sz="1600" dirty="0"/>
-              <a:t>Ausblick</a:t>
-            </a:r>
-          </a:p>
-          <a:p>
-            <a:pPr>
-              <a:lnSpc>
-                <a:spcPct val="250000"/>
-              </a:lnSpc>
-              <a:buClr>
-                <a:srgbClr val="00B0F0"/>
-              </a:buClr>
-              <a:buFont typeface="Wingdings" panose="05000000000000000000" pitchFamily="2" charset="2"/>
-              <a:buChar char="§"/>
-            </a:pPr>
-            <a:r>
-              <a:rPr lang="de-CH" b="1" dirty="0"/>
-              <a:t>Fragen</a:t>
-            </a:r>
-          </a:p>
-          <a:p>
-            <a:pPr>
-              <a:lnSpc>
-                <a:spcPct val="300000"/>
-              </a:lnSpc>
-              <a:buClr>
-                <a:srgbClr val="00B0F0"/>
-              </a:buClr>
-              <a:buFont typeface="Wingdings" panose="05000000000000000000" pitchFamily="2" charset="2"/>
-              <a:buChar char="§"/>
-            </a:pPr>
-            <a:endParaRPr lang="de-CH" dirty="0"/>
-          </a:p>
-        </p:txBody>
-      </p:sp>
-      <p:pic>
-        <p:nvPicPr>
-          <p:cNvPr id="6" name="Picture 5">
-            <a:extLst>
-              <a:ext uri="{FF2B5EF4-FFF2-40B4-BE49-F238E27FC236}">
-                <a16:creationId xmlns:a16="http://schemas.microsoft.com/office/drawing/2014/main" id="{9129C241-5E1F-41AE-BAEA-E1A7962DACF7}"/>
-              </a:ext>
-            </a:extLst>
-          </p:cNvPr>
-          <p:cNvPicPr>
-            <a:picLocks noChangeAspect="1"/>
-          </p:cNvPicPr>
-          <p:nvPr/>
-        </p:nvPicPr>
-        <p:blipFill>
-          <a:blip r:embed="rId2">
-            <a:extLst>
-              <a:ext uri="{28A0092B-C50C-407E-A947-70E740481C1C}">
-                <a14:useLocalDpi xmlns:a14="http://schemas.microsoft.com/office/drawing/2010/main" val="0"/>
-              </a:ext>
-            </a:extLst>
-          </a:blip>
-          <a:stretch>
-            <a:fillRect/>
-          </a:stretch>
-        </p:blipFill>
-        <p:spPr>
-          <a:xfrm>
-            <a:off x="7778739" y="803091"/>
-            <a:ext cx="609685" cy="609685"/>
-          </a:xfrm>
-          <a:prstGeom prst="rect">
-            <a:avLst/>
-          </a:prstGeom>
-        </p:spPr>
-      </p:pic>
-    </p:spTree>
-    <p:extLst>
-      <p:ext uri="{BB962C8B-B14F-4D97-AF65-F5344CB8AC3E}">
-        <p14:creationId xmlns:p14="http://schemas.microsoft.com/office/powerpoint/2010/main" val="2115635601"/>
-      </p:ext>
-    </p:extLst>
-  </p:cSld>
-  <p:clrMapOvr>
-    <a:masterClrMapping/>
-  </p:clrMapOvr>
-</p:sld>
-</file>
-
-<file path=ppt/slides/slide20.xml><?xml version="1.0" encoding="utf-8"?>
+<file path=ppt/slides/slide19.xml><?xml version="1.0" encoding="utf-8"?>
 <p:sld xmlns:a="http://schemas.openxmlformats.org/drawingml/2006/main" xmlns:r="http://schemas.openxmlformats.org/officeDocument/2006/relationships" xmlns:p="http://schemas.openxmlformats.org/presentationml/2006/main">
   <p:cSld>
     <p:spTree>
@@ -8777,7 +8781,369 @@
 </p:sld>
 </file>
 
-<file path=ppt/slides/slide21.xml><?xml version="1.0" encoding="utf-8"?>
+<file path=ppt/slides/slide2.xml><?xml version="1.0" encoding="utf-8"?>
+<p:sld xmlns:a="http://schemas.openxmlformats.org/drawingml/2006/main" xmlns:r="http://schemas.openxmlformats.org/officeDocument/2006/relationships" xmlns:p="http://schemas.openxmlformats.org/presentationml/2006/main">
+  <p:cSld>
+    <p:spTree>
+      <p:nvGrpSpPr>
+        <p:cNvPr id="1" name=""/>
+        <p:cNvGrpSpPr/>
+        <p:nvPr/>
+      </p:nvGrpSpPr>
+      <p:grpSpPr>
+        <a:xfrm>
+          <a:off x="0" y="0"/>
+          <a:ext cx="0" cy="0"/>
+          <a:chOff x="0" y="0"/>
+          <a:chExt cx="0" cy="0"/>
+        </a:xfrm>
+      </p:grpSpPr>
+      <p:sp>
+        <p:nvSpPr>
+          <p:cNvPr id="2" name="Title 1">
+            <a:extLst>
+              <a:ext uri="{FF2B5EF4-FFF2-40B4-BE49-F238E27FC236}">
+                <a16:creationId xmlns:a16="http://schemas.microsoft.com/office/drawing/2014/main" id="{33E61119-F02D-4E38-9A19-3D3A18CFB4AE}"/>
+              </a:ext>
+            </a:extLst>
+          </p:cNvPr>
+          <p:cNvSpPr>
+            <a:spLocks noGrp="1"/>
+          </p:cNvSpPr>
+          <p:nvPr>
+            <p:ph type="title"/>
+          </p:nvPr>
+        </p:nvSpPr>
+        <p:spPr/>
+        <p:txBody>
+          <a:bodyPr/>
+          <a:lstStyle/>
+          <a:p>
+            <a:r>
+              <a:rPr lang="de-CH" dirty="0"/>
+              <a:t>Agenda</a:t>
+            </a:r>
+          </a:p>
+        </p:txBody>
+      </p:sp>
+      <p:pic>
+        <p:nvPicPr>
+          <p:cNvPr id="6" name="Picture 5">
+            <a:extLst>
+              <a:ext uri="{FF2B5EF4-FFF2-40B4-BE49-F238E27FC236}">
+                <a16:creationId xmlns:a16="http://schemas.microsoft.com/office/drawing/2014/main" id="{9129C241-5E1F-41AE-BAEA-E1A7962DACF7}"/>
+              </a:ext>
+            </a:extLst>
+          </p:cNvPr>
+          <p:cNvPicPr>
+            <a:picLocks noChangeAspect="1"/>
+          </p:cNvPicPr>
+          <p:nvPr/>
+        </p:nvPicPr>
+        <p:blipFill>
+          <a:blip r:embed="rId2">
+            <a:extLst>
+              <a:ext uri="{28A0092B-C50C-407E-A947-70E740481C1C}">
+                <a14:useLocalDpi xmlns:a14="http://schemas.microsoft.com/office/drawing/2010/main" val="0"/>
+              </a:ext>
+            </a:extLst>
+          </a:blip>
+          <a:stretch>
+            <a:fillRect/>
+          </a:stretch>
+        </p:blipFill>
+        <p:spPr>
+          <a:xfrm>
+            <a:off x="7778739" y="803091"/>
+            <a:ext cx="609685" cy="609685"/>
+          </a:xfrm>
+          <a:prstGeom prst="rect">
+            <a:avLst/>
+          </a:prstGeom>
+        </p:spPr>
+      </p:pic>
+      <p:sp>
+        <p:nvSpPr>
+          <p:cNvPr id="5" name="Content Placeholder 2">
+            <a:extLst>
+              <a:ext uri="{FF2B5EF4-FFF2-40B4-BE49-F238E27FC236}">
+                <a16:creationId xmlns:a16="http://schemas.microsoft.com/office/drawing/2014/main" id="{206C7183-B4A2-4AFF-B210-AA5CC1789752}"/>
+              </a:ext>
+            </a:extLst>
+          </p:cNvPr>
+          <p:cNvSpPr>
+            <a:spLocks noGrp="1"/>
+          </p:cNvSpPr>
+          <p:nvPr>
+            <p:ph idx="1"/>
+          </p:nvPr>
+        </p:nvSpPr>
+        <p:spPr>
+          <a:xfrm>
+            <a:off x="936000" y="814551"/>
+            <a:ext cx="7884000" cy="4716000"/>
+          </a:xfrm>
+        </p:spPr>
+        <p:txBody>
+          <a:bodyPr/>
+          <a:lstStyle/>
+          <a:p>
+            <a:pPr>
+              <a:buClr>
+                <a:srgbClr val="00B0F0"/>
+              </a:buClr>
+              <a:buFont typeface="Wingdings" panose="05000000000000000000" pitchFamily="2" charset="2"/>
+              <a:buChar char="§"/>
+            </a:pPr>
+            <a:r>
+              <a:rPr lang="de-CH" b="1" dirty="0"/>
+              <a:t>Einführung</a:t>
+            </a:r>
+          </a:p>
+          <a:p>
+            <a:pPr lvl="2">
+              <a:buClr>
+                <a:srgbClr val="00B0F0"/>
+              </a:buClr>
+              <a:buFont typeface="Wingdings" panose="05000000000000000000" pitchFamily="2" charset="2"/>
+              <a:buChar char="§"/>
+            </a:pPr>
+            <a:r>
+              <a:rPr lang="de-CH" sz="1600" dirty="0"/>
+              <a:t>Kurzvorstellung CMI</a:t>
+            </a:r>
+          </a:p>
+          <a:p>
+            <a:pPr lvl="2">
+              <a:buClr>
+                <a:srgbClr val="00B0F0"/>
+              </a:buClr>
+              <a:buFont typeface="Wingdings" panose="05000000000000000000" pitchFamily="2" charset="2"/>
+              <a:buChar char="§"/>
+            </a:pPr>
+            <a:r>
+              <a:rPr lang="de-CH" sz="1600" dirty="0"/>
+              <a:t>Projekt Viaduc</a:t>
+            </a:r>
+          </a:p>
+          <a:p>
+            <a:pPr lvl="2">
+              <a:buClr>
+                <a:srgbClr val="00B0F0"/>
+              </a:buClr>
+              <a:buFont typeface="Wingdings" panose="05000000000000000000" pitchFamily="2" charset="2"/>
+              <a:buChar char="§"/>
+            </a:pPr>
+            <a:r>
+              <a:rPr lang="de-CH" sz="1600" dirty="0"/>
+              <a:t>Eingesetzte Technologien</a:t>
+            </a:r>
+          </a:p>
+          <a:p>
+            <a:pPr>
+              <a:lnSpc>
+                <a:spcPct val="150000"/>
+              </a:lnSpc>
+              <a:buClr>
+                <a:srgbClr val="00B0F0"/>
+              </a:buClr>
+              <a:buFont typeface="Wingdings" panose="05000000000000000000" pitchFamily="2" charset="2"/>
+              <a:buChar char="§"/>
+            </a:pPr>
+            <a:r>
+              <a:rPr lang="de-CH" b="1" dirty="0"/>
+              <a:t>IPA Projekt</a:t>
+            </a:r>
+          </a:p>
+          <a:p>
+            <a:pPr lvl="2">
+              <a:buClr>
+                <a:srgbClr val="00B0F0"/>
+              </a:buClr>
+              <a:buFont typeface="Wingdings" panose="05000000000000000000" pitchFamily="2" charset="2"/>
+              <a:buChar char="§"/>
+            </a:pPr>
+            <a:r>
+              <a:rPr lang="de-CH" sz="1600" b="1" dirty="0"/>
+              <a:t>I</a:t>
+            </a:r>
+            <a:r>
+              <a:rPr lang="de-CH" sz="1600" dirty="0"/>
+              <a:t>:  Problemstellung </a:t>
+            </a:r>
+          </a:p>
+          <a:p>
+            <a:pPr lvl="2">
+              <a:buClr>
+                <a:srgbClr val="00B0F0"/>
+              </a:buClr>
+              <a:buFont typeface="Wingdings" panose="05000000000000000000" pitchFamily="2" charset="2"/>
+              <a:buChar char="§"/>
+            </a:pPr>
+            <a:r>
+              <a:rPr lang="de-CH" sz="1600" b="1" dirty="0"/>
+              <a:t>P</a:t>
+            </a:r>
+            <a:r>
+              <a:rPr lang="de-CH" sz="1600" dirty="0"/>
+              <a:t>: Anforderungsanalyse</a:t>
+            </a:r>
+          </a:p>
+          <a:p>
+            <a:pPr lvl="2">
+              <a:buClr>
+                <a:srgbClr val="00B0F0"/>
+              </a:buClr>
+              <a:buFont typeface="Wingdings" panose="05000000000000000000" pitchFamily="2" charset="2"/>
+              <a:buChar char="§"/>
+            </a:pPr>
+            <a:r>
+              <a:rPr lang="de-CH" sz="1600" b="1" dirty="0"/>
+              <a:t>E</a:t>
+            </a:r>
+            <a:r>
+              <a:rPr lang="de-CH" sz="1600" dirty="0"/>
+              <a:t>: Realisationsplanung</a:t>
+            </a:r>
+          </a:p>
+          <a:p>
+            <a:pPr lvl="2">
+              <a:buClr>
+                <a:srgbClr val="00B0F0"/>
+              </a:buClr>
+              <a:buFont typeface="Wingdings" panose="05000000000000000000" pitchFamily="2" charset="2"/>
+              <a:buChar char="§"/>
+            </a:pPr>
+            <a:r>
+              <a:rPr lang="de-CH" sz="1600" b="1" dirty="0"/>
+              <a:t>R</a:t>
+            </a:r>
+            <a:r>
+              <a:rPr lang="de-CH" sz="1600" dirty="0"/>
+              <a:t>: Realisation</a:t>
+            </a:r>
+          </a:p>
+          <a:p>
+            <a:pPr lvl="2">
+              <a:buClr>
+                <a:srgbClr val="00B0F0"/>
+              </a:buClr>
+              <a:buFont typeface="Wingdings" panose="05000000000000000000" pitchFamily="2" charset="2"/>
+              <a:buChar char="§"/>
+            </a:pPr>
+            <a:r>
+              <a:rPr lang="de-CH" sz="1600" b="1" dirty="0"/>
+              <a:t>K</a:t>
+            </a:r>
+            <a:r>
+              <a:rPr lang="de-CH" sz="1600" dirty="0"/>
+              <a:t>: Testing</a:t>
+            </a:r>
+          </a:p>
+          <a:p>
+            <a:pPr lvl="2">
+              <a:buClr>
+                <a:srgbClr val="00B0F0"/>
+              </a:buClr>
+              <a:buFont typeface="Wingdings" panose="05000000000000000000" pitchFamily="2" charset="2"/>
+              <a:buChar char="§"/>
+            </a:pPr>
+            <a:r>
+              <a:rPr lang="de-CH" sz="1600" b="1" dirty="0"/>
+              <a:t>A</a:t>
+            </a:r>
+            <a:r>
+              <a:rPr lang="de-CH" sz="1600" dirty="0"/>
+              <a:t>: Live Demo</a:t>
+            </a:r>
+          </a:p>
+          <a:p>
+            <a:pPr>
+              <a:lnSpc>
+                <a:spcPct val="150000"/>
+              </a:lnSpc>
+              <a:buClr>
+                <a:srgbClr val="00B0F0"/>
+              </a:buClr>
+              <a:buFont typeface="Wingdings" panose="05000000000000000000" pitchFamily="2" charset="2"/>
+              <a:buChar char="§"/>
+            </a:pPr>
+            <a:r>
+              <a:rPr lang="de-CH" b="1" dirty="0"/>
+              <a:t>Abschluss</a:t>
+            </a:r>
+          </a:p>
+          <a:p>
+            <a:pPr lvl="2">
+              <a:buClr>
+                <a:srgbClr val="00B0F0"/>
+              </a:buClr>
+              <a:buFont typeface="Wingdings" panose="05000000000000000000" pitchFamily="2" charset="2"/>
+              <a:buChar char="§"/>
+            </a:pPr>
+            <a:r>
+              <a:rPr lang="de-CH" sz="1600" dirty="0"/>
+              <a:t>Fazit</a:t>
+            </a:r>
+          </a:p>
+          <a:p>
+            <a:pPr lvl="2">
+              <a:buClr>
+                <a:srgbClr val="00B0F0"/>
+              </a:buClr>
+              <a:buFont typeface="Wingdings" panose="05000000000000000000" pitchFamily="2" charset="2"/>
+              <a:buChar char="§"/>
+            </a:pPr>
+            <a:r>
+              <a:rPr lang="de-CH" sz="1600" dirty="0"/>
+              <a:t>Ausblick</a:t>
+            </a:r>
+          </a:p>
+          <a:p>
+            <a:pPr>
+              <a:lnSpc>
+                <a:spcPct val="150000"/>
+              </a:lnSpc>
+              <a:buClr>
+                <a:srgbClr val="00B0F0"/>
+              </a:buClr>
+              <a:buFont typeface="Wingdings" panose="05000000000000000000" pitchFamily="2" charset="2"/>
+              <a:buChar char="§"/>
+            </a:pPr>
+            <a:r>
+              <a:rPr lang="de-CH" b="1" dirty="0"/>
+              <a:t>Fragen</a:t>
+            </a:r>
+          </a:p>
+          <a:p>
+            <a:pPr>
+              <a:lnSpc>
+                <a:spcPct val="300000"/>
+              </a:lnSpc>
+              <a:buClr>
+                <a:srgbClr val="00B0F0"/>
+              </a:buClr>
+              <a:buFont typeface="Wingdings" panose="05000000000000000000" pitchFamily="2" charset="2"/>
+              <a:buChar char="§"/>
+            </a:pPr>
+            <a:endParaRPr lang="de-CH" dirty="0"/>
+          </a:p>
+        </p:txBody>
+      </p:sp>
+    </p:spTree>
+    <p:extLst>
+      <p:ext uri="{BB962C8B-B14F-4D97-AF65-F5344CB8AC3E}">
+        <p14:creationId xmlns:p14="http://schemas.microsoft.com/office/powerpoint/2010/main" val="2115635601"/>
+      </p:ext>
+    </p:extLst>
+  </p:cSld>
+  <p:clrMapOvr>
+    <a:masterClrMapping/>
+  </p:clrMapOvr>
+</p:sld>
+</file>
+
+<file path=ppt/slides/slide20.xml><?xml version="1.0" encoding="utf-8"?>
 <p:sld xmlns:a="http://schemas.openxmlformats.org/drawingml/2006/main" xmlns:r="http://schemas.openxmlformats.org/officeDocument/2006/relationships" xmlns:p="http://schemas.openxmlformats.org/presentationml/2006/main">
   <p:cSld>
     <p:spTree>
@@ -9492,7 +9858,7 @@
 </p:sld>
 </file>
 
-<file path=ppt/slides/slide22.xml><?xml version="1.0" encoding="utf-8"?>
+<file path=ppt/slides/slide21.xml><?xml version="1.0" encoding="utf-8"?>
 <p:sld xmlns:a="http://schemas.openxmlformats.org/drawingml/2006/main" xmlns:r="http://schemas.openxmlformats.org/officeDocument/2006/relationships" xmlns:p="http://schemas.openxmlformats.org/presentationml/2006/main">
   <p:cSld>
     <p:spTree>
@@ -10257,7 +10623,7 @@
 </p:sld>
 </file>
 
-<file path=ppt/slides/slide23.xml><?xml version="1.0" encoding="utf-8"?>
+<file path=ppt/slides/slide22.xml><?xml version="1.0" encoding="utf-8"?>
 <p:sld xmlns:a="http://schemas.openxmlformats.org/drawingml/2006/main" xmlns:r="http://schemas.openxmlformats.org/officeDocument/2006/relationships" xmlns:p="http://schemas.openxmlformats.org/presentationml/2006/main">
   <p:cSld>
     <p:spTree>
@@ -10428,7 +10794,7 @@
 </p:sld>
 </file>
 
-<file path=ppt/slides/slide24.xml><?xml version="1.0" encoding="utf-8"?>
+<file path=ppt/slides/slide23.xml><?xml version="1.0" encoding="utf-8"?>
 <p:sld xmlns:a="http://schemas.openxmlformats.org/drawingml/2006/main" xmlns:r="http://schemas.openxmlformats.org/officeDocument/2006/relationships" xmlns:p="http://schemas.openxmlformats.org/presentationml/2006/main">
   <p:cSld>
     <p:spTree>
@@ -11002,7 +11368,7 @@
             </a:pPr>
             <a:r>
               <a:rPr lang="de-CH" sz="1600" dirty="0"/>
-              <a:t>Jeweils mind. ein richtiges und ein falschen Test</a:t>
+              <a:t>Jeweils mind. ein richtiger und ein falscher Test</a:t>
             </a:r>
             <a:endParaRPr lang="de-CH" dirty="0"/>
           </a:p>
@@ -11047,7 +11413,7 @@
             </a:pPr>
             <a:r>
               <a:rPr lang="de-CH" dirty="0"/>
-              <a:t>Wir alles angezeigt</a:t>
+              <a:t>Wird alles angezeigt</a:t>
             </a:r>
           </a:p>
           <a:p>
@@ -11199,15 +11565,10 @@
                             </p:stCondLst>
                             <p:childTnLst>
                               <p:par>
-                                <p:cTn id="5" presetID="1" presetClass="entr" presetSubtype="0" fill="hold" grpId="0" nodeType="clickEffect" nodePh="1">
+                                <p:cTn id="5" presetID="1" presetClass="entr" presetSubtype="0" fill="hold" nodeType="clickEffect">
                                   <p:stCondLst>
                                     <p:cond delay="0"/>
                                   </p:stCondLst>
-                                  <p:endCondLst>
-                                    <p:cond evt="begin" delay="0">
-                                      <p:tn val="5"/>
-                                    </p:cond>
-                                  </p:endCondLst>
                                   <p:childTnLst>
                                     <p:set>
                                       <p:cBhvr>
@@ -11217,7 +11578,7 @@
                                           </p:stCondLst>
                                         </p:cTn>
                                         <p:tgtEl>
-                                          <p:spTgt spid="8">
+                                          <p:spTgt spid="9">
                                             <p:txEl>
                                               <p:pRg st="0" end="0"/>
                                             </p:txEl>
@@ -11253,7 +11614,7 @@
                             </p:stCondLst>
                             <p:childTnLst>
                               <p:par>
-                                <p:cTn id="9" presetID="1" presetClass="entr" presetSubtype="0" fill="hold" grpId="0" nodeType="clickEffect">
+                                <p:cTn id="9" presetID="1" presetClass="entr" presetSubtype="0" fill="hold" nodeType="clickEffect">
                                   <p:stCondLst>
                                     <p:cond delay="0"/>
                                   </p:stCondLst>
@@ -11261,55 +11622,6 @@
                                     <p:set>
                                       <p:cBhvr>
                                         <p:cTn id="10" dur="1" fill="hold">
-                                          <p:stCondLst>
-                                            <p:cond delay="0"/>
-                                          </p:stCondLst>
-                                        </p:cTn>
-                                        <p:tgtEl>
-                                          <p:spTgt spid="9">
-                                            <p:txEl>
-                                              <p:pRg st="0" end="0"/>
-                                            </p:txEl>
-                                          </p:spTgt>
-                                        </p:tgtEl>
-                                        <p:attrNameLst>
-                                          <p:attrName>style.visibility</p:attrName>
-                                        </p:attrNameLst>
-                                      </p:cBhvr>
-                                      <p:to>
-                                        <p:strVal val="visible"/>
-                                      </p:to>
-                                    </p:set>
-                                  </p:childTnLst>
-                                </p:cTn>
-                              </p:par>
-                            </p:childTnLst>
-                          </p:cTn>
-                        </p:par>
-                      </p:childTnLst>
-                    </p:cTn>
-                  </p:par>
-                  <p:par>
-                    <p:cTn id="11" fill="hold">
-                      <p:stCondLst>
-                        <p:cond delay="indefinite"/>
-                      </p:stCondLst>
-                      <p:childTnLst>
-                        <p:par>
-                          <p:cTn id="12" fill="hold">
-                            <p:stCondLst>
-                              <p:cond delay="0"/>
-                            </p:stCondLst>
-                            <p:childTnLst>
-                              <p:par>
-                                <p:cTn id="13" presetID="1" presetClass="entr" presetSubtype="0" fill="hold" grpId="0" nodeType="clickEffect">
-                                  <p:stCondLst>
-                                    <p:cond delay="0"/>
-                                  </p:stCondLst>
-                                  <p:childTnLst>
-                                    <p:set>
-                                      <p:cBhvr>
-                                        <p:cTn id="14" dur="1" fill="hold">
                                           <p:stCondLst>
                                             <p:cond delay="0"/>
                                           </p:stCondLst>
@@ -11333,7 +11645,56 @@
                                 </p:cTn>
                               </p:par>
                               <p:par>
-                                <p:cTn id="15" presetID="1" presetClass="entr" presetSubtype="0" fill="hold" grpId="0" nodeType="withEffect">
+                                <p:cTn id="11" presetID="1" presetClass="entr" presetSubtype="0" fill="hold" nodeType="withEffect">
+                                  <p:stCondLst>
+                                    <p:cond delay="0"/>
+                                  </p:stCondLst>
+                                  <p:childTnLst>
+                                    <p:set>
+                                      <p:cBhvr>
+                                        <p:cTn id="12" dur="1" fill="hold">
+                                          <p:stCondLst>
+                                            <p:cond delay="0"/>
+                                          </p:stCondLst>
+                                        </p:cTn>
+                                        <p:tgtEl>
+                                          <p:spTgt spid="9">
+                                            <p:txEl>
+                                              <p:pRg st="2" end="2"/>
+                                            </p:txEl>
+                                          </p:spTgt>
+                                        </p:tgtEl>
+                                        <p:attrNameLst>
+                                          <p:attrName>style.visibility</p:attrName>
+                                        </p:attrNameLst>
+                                      </p:cBhvr>
+                                      <p:to>
+                                        <p:strVal val="visible"/>
+                                      </p:to>
+                                    </p:set>
+                                  </p:childTnLst>
+                                </p:cTn>
+                              </p:par>
+                            </p:childTnLst>
+                          </p:cTn>
+                        </p:par>
+                      </p:childTnLst>
+                    </p:cTn>
+                  </p:par>
+                  <p:par>
+                    <p:cTn id="13" fill="hold">
+                      <p:stCondLst>
+                        <p:cond delay="indefinite"/>
+                      </p:stCondLst>
+                      <p:childTnLst>
+                        <p:par>
+                          <p:cTn id="14" fill="hold">
+                            <p:stCondLst>
+                              <p:cond delay="0"/>
+                            </p:stCondLst>
+                            <p:childTnLst>
+                              <p:par>
+                                <p:cTn id="15" presetID="1" presetClass="entr" presetSubtype="0" fill="hold" nodeType="clickEffect">
                                   <p:stCondLst>
                                     <p:cond delay="0"/>
                                   </p:stCondLst>
@@ -11348,7 +11709,7 @@
                                         <p:tgtEl>
                                           <p:spTgt spid="9">
                                             <p:txEl>
-                                              <p:pRg st="2" end="2"/>
+                                              <p:pRg st="4" end="4"/>
                                             </p:txEl>
                                           </p:spTgt>
                                         </p:tgtEl>
@@ -11382,7 +11743,7 @@
                             </p:stCondLst>
                             <p:childTnLst>
                               <p:par>
-                                <p:cTn id="19" presetID="1" presetClass="entr" presetSubtype="0" fill="hold" grpId="0" nodeType="clickEffect">
+                                <p:cTn id="19" presetID="1" presetClass="entr" presetSubtype="0" fill="hold" nodeType="clickEffect">
                                   <p:stCondLst>
                                     <p:cond delay="0"/>
                                   </p:stCondLst>
@@ -11397,7 +11758,252 @@
                                         <p:tgtEl>
                                           <p:spTgt spid="9">
                                             <p:txEl>
-                                              <p:pRg st="4" end="4"/>
+                                              <p:pRg st="5" end="5"/>
+                                            </p:txEl>
+                                          </p:spTgt>
+                                        </p:tgtEl>
+                                        <p:attrNameLst>
+                                          <p:attrName>style.visibility</p:attrName>
+                                        </p:attrNameLst>
+                                      </p:cBhvr>
+                                      <p:to>
+                                        <p:strVal val="visible"/>
+                                      </p:to>
+                                    </p:set>
+                                  </p:childTnLst>
+                                </p:cTn>
+                              </p:par>
+                            </p:childTnLst>
+                          </p:cTn>
+                        </p:par>
+                      </p:childTnLst>
+                    </p:cTn>
+                  </p:par>
+                  <p:par>
+                    <p:cTn id="21" fill="hold">
+                      <p:stCondLst>
+                        <p:cond delay="indefinite"/>
+                      </p:stCondLst>
+                      <p:childTnLst>
+                        <p:par>
+                          <p:cTn id="22" fill="hold">
+                            <p:stCondLst>
+                              <p:cond delay="0"/>
+                            </p:stCondLst>
+                            <p:childTnLst>
+                              <p:par>
+                                <p:cTn id="23" presetID="1" presetClass="entr" presetSubtype="0" fill="hold" nodeType="clickEffect">
+                                  <p:stCondLst>
+                                    <p:cond delay="0"/>
+                                  </p:stCondLst>
+                                  <p:childTnLst>
+                                    <p:set>
+                                      <p:cBhvr>
+                                        <p:cTn id="24" dur="1" fill="hold">
+                                          <p:stCondLst>
+                                            <p:cond delay="0"/>
+                                          </p:stCondLst>
+                                        </p:cTn>
+                                        <p:tgtEl>
+                                          <p:spTgt spid="9">
+                                            <p:txEl>
+                                              <p:pRg st="6" end="6"/>
+                                            </p:txEl>
+                                          </p:spTgt>
+                                        </p:tgtEl>
+                                        <p:attrNameLst>
+                                          <p:attrName>style.visibility</p:attrName>
+                                        </p:attrNameLst>
+                                      </p:cBhvr>
+                                      <p:to>
+                                        <p:strVal val="visible"/>
+                                      </p:to>
+                                    </p:set>
+                                  </p:childTnLst>
+                                </p:cTn>
+                              </p:par>
+                            </p:childTnLst>
+                          </p:cTn>
+                        </p:par>
+                      </p:childTnLst>
+                    </p:cTn>
+                  </p:par>
+                  <p:par>
+                    <p:cTn id="25" fill="hold">
+                      <p:stCondLst>
+                        <p:cond delay="indefinite"/>
+                      </p:stCondLst>
+                      <p:childTnLst>
+                        <p:par>
+                          <p:cTn id="26" fill="hold">
+                            <p:stCondLst>
+                              <p:cond delay="0"/>
+                            </p:stCondLst>
+                            <p:childTnLst>
+                              <p:par>
+                                <p:cTn id="27" presetID="1" presetClass="entr" presetSubtype="0" fill="hold" nodeType="clickEffect">
+                                  <p:stCondLst>
+                                    <p:cond delay="0"/>
+                                  </p:stCondLst>
+                                  <p:childTnLst>
+                                    <p:set>
+                                      <p:cBhvr>
+                                        <p:cTn id="28" dur="1" fill="hold">
+                                          <p:stCondLst>
+                                            <p:cond delay="0"/>
+                                          </p:stCondLst>
+                                        </p:cTn>
+                                        <p:tgtEl>
+                                          <p:spTgt spid="9">
+                                            <p:txEl>
+                                              <p:pRg st="7" end="7"/>
+                                            </p:txEl>
+                                          </p:spTgt>
+                                        </p:tgtEl>
+                                        <p:attrNameLst>
+                                          <p:attrName>style.visibility</p:attrName>
+                                        </p:attrNameLst>
+                                      </p:cBhvr>
+                                      <p:to>
+                                        <p:strVal val="visible"/>
+                                      </p:to>
+                                    </p:set>
+                                  </p:childTnLst>
+                                </p:cTn>
+                              </p:par>
+                            </p:childTnLst>
+                          </p:cTn>
+                        </p:par>
+                      </p:childTnLst>
+                    </p:cTn>
+                  </p:par>
+                  <p:par>
+                    <p:cTn id="29" fill="hold">
+                      <p:stCondLst>
+                        <p:cond delay="indefinite"/>
+                      </p:stCondLst>
+                      <p:childTnLst>
+                        <p:par>
+                          <p:cTn id="30" fill="hold">
+                            <p:stCondLst>
+                              <p:cond delay="0"/>
+                            </p:stCondLst>
+                            <p:childTnLst>
+                              <p:par>
+                                <p:cTn id="31" presetID="1" presetClass="entr" presetSubtype="0" fill="hold" nodeType="clickEffect">
+                                  <p:stCondLst>
+                                    <p:cond delay="0"/>
+                                  </p:stCondLst>
+                                  <p:childTnLst>
+                                    <p:set>
+                                      <p:cBhvr>
+                                        <p:cTn id="32" dur="1" fill="hold">
+                                          <p:stCondLst>
+                                            <p:cond delay="0"/>
+                                          </p:stCondLst>
+                                        </p:cTn>
+                                        <p:tgtEl>
+                                          <p:spTgt spid="9">
+                                            <p:txEl>
+                                              <p:pRg st="8" end="8"/>
+                                            </p:txEl>
+                                          </p:spTgt>
+                                        </p:tgtEl>
+                                        <p:attrNameLst>
+                                          <p:attrName>style.visibility</p:attrName>
+                                        </p:attrNameLst>
+                                      </p:cBhvr>
+                                      <p:to>
+                                        <p:strVal val="visible"/>
+                                      </p:to>
+                                    </p:set>
+                                  </p:childTnLst>
+                                </p:cTn>
+                              </p:par>
+                            </p:childTnLst>
+                          </p:cTn>
+                        </p:par>
+                      </p:childTnLst>
+                    </p:cTn>
+                  </p:par>
+                  <p:par>
+                    <p:cTn id="33" fill="hold">
+                      <p:stCondLst>
+                        <p:cond delay="indefinite"/>
+                      </p:stCondLst>
+                      <p:childTnLst>
+                        <p:par>
+                          <p:cTn id="34" fill="hold">
+                            <p:stCondLst>
+                              <p:cond delay="0"/>
+                            </p:stCondLst>
+                            <p:childTnLst>
+                              <p:par>
+                                <p:cTn id="35" presetID="1" presetClass="entr" presetSubtype="0" fill="hold" nodeType="clickEffect">
+                                  <p:stCondLst>
+                                    <p:cond delay="0"/>
+                                  </p:stCondLst>
+                                  <p:childTnLst>
+                                    <p:set>
+                                      <p:cBhvr>
+                                        <p:cTn id="36" dur="1" fill="hold">
+                                          <p:stCondLst>
+                                            <p:cond delay="0"/>
+                                          </p:stCondLst>
+                                        </p:cTn>
+                                        <p:tgtEl>
+                                          <p:spTgt spid="9">
+                                            <p:txEl>
+                                              <p:pRg st="9" end="9"/>
+                                            </p:txEl>
+                                          </p:spTgt>
+                                        </p:tgtEl>
+                                        <p:attrNameLst>
+                                          <p:attrName>style.visibility</p:attrName>
+                                        </p:attrNameLst>
+                                      </p:cBhvr>
+                                      <p:to>
+                                        <p:strVal val="visible"/>
+                                      </p:to>
+                                    </p:set>
+                                  </p:childTnLst>
+                                </p:cTn>
+                              </p:par>
+                            </p:childTnLst>
+                          </p:cTn>
+                        </p:par>
+                      </p:childTnLst>
+                    </p:cTn>
+                  </p:par>
+                  <p:par>
+                    <p:cTn id="37" fill="hold">
+                      <p:stCondLst>
+                        <p:cond delay="indefinite"/>
+                      </p:stCondLst>
+                      <p:childTnLst>
+                        <p:par>
+                          <p:cTn id="38" fill="hold">
+                            <p:stCondLst>
+                              <p:cond delay="0"/>
+                            </p:stCondLst>
+                            <p:childTnLst>
+                              <p:par>
+                                <p:cTn id="39" presetID="1" presetClass="entr" presetSubtype="0" fill="hold" nodeType="clickEffect">
+                                  <p:stCondLst>
+                                    <p:cond delay="0"/>
+                                  </p:stCondLst>
+                                  <p:childTnLst>
+                                    <p:set>
+                                      <p:cBhvr>
+                                        <p:cTn id="40" dur="1" fill="hold">
+                                          <p:stCondLst>
+                                            <p:cond delay="0"/>
+                                          </p:stCondLst>
+                                        </p:cTn>
+                                        <p:tgtEl>
+                                          <p:spTgt spid="9">
+                                            <p:txEl>
+                                              <p:pRg st="10" end="10"/>
                                             </p:txEl>
                                           </p:spTgt>
                                         </p:tgtEl>
@@ -11439,15 +12045,11 @@
         </p:cTn>
       </p:par>
     </p:tnLst>
-    <p:bldLst>
-      <p:bldP spid="8" grpId="0" build="p"/>
-      <p:bldP spid="9" grpId="0" build="p"/>
-    </p:bldLst>
   </p:timing>
 </p:sld>
 </file>
 
-<file path=ppt/slides/slide25.xml><?xml version="1.0" encoding="utf-8"?>
+<file path=ppt/slides/slide24.xml><?xml version="1.0" encoding="utf-8"?>
 <p:sld xmlns:a="http://schemas.openxmlformats.org/drawingml/2006/main" xmlns:r="http://schemas.openxmlformats.org/officeDocument/2006/relationships" xmlns:p="http://schemas.openxmlformats.org/presentationml/2006/main">
   <p:cSld>
     <p:spTree>
@@ -11530,7 +12132,7 @@
 </p:sld>
 </file>
 
-<file path=ppt/slides/slide26.xml><?xml version="1.0" encoding="utf-8"?>
+<file path=ppt/slides/slide25.xml><?xml version="1.0" encoding="utf-8"?>
 <p:sld xmlns:a="http://schemas.openxmlformats.org/drawingml/2006/main" xmlns:r="http://schemas.openxmlformats.org/officeDocument/2006/relationships" xmlns:p="http://schemas.openxmlformats.org/presentationml/2006/main">
   <p:cSld>
     <p:spTree>
@@ -11613,7 +12215,7 @@
 </p:sld>
 </file>
 
-<file path=ppt/slides/slide27.xml><?xml version="1.0" encoding="utf-8"?>
+<file path=ppt/slides/slide26.xml><?xml version="1.0" encoding="utf-8"?>
 <p:sld xmlns:a="http://schemas.openxmlformats.org/drawingml/2006/main" xmlns:r="http://schemas.openxmlformats.org/officeDocument/2006/relationships" xmlns:p="http://schemas.openxmlformats.org/presentationml/2006/main">
   <p:cSld>
     <p:spTree>
@@ -12359,7 +12961,7 @@
 </p:sld>
 </file>
 
-<file path=ppt/slides/slide28.xml><?xml version="1.0" encoding="utf-8"?>
+<file path=ppt/slides/slide27.xml><?xml version="1.0" encoding="utf-8"?>
 <p:sld xmlns:a="http://schemas.openxmlformats.org/drawingml/2006/main" xmlns:r="http://schemas.openxmlformats.org/officeDocument/2006/relationships" xmlns:p="http://schemas.openxmlformats.org/presentationml/2006/main">
   <p:cSld>
     <p:spTree>
@@ -13104,7 +13706,7 @@
 </p:sld>
 </file>
 
-<file path=ppt/slides/slide29.xml><?xml version="1.0" encoding="utf-8"?>
+<file path=ppt/slides/slide28.xml><?xml version="1.0" encoding="utf-8"?>
 <p:sld xmlns:a="http://schemas.openxmlformats.org/drawingml/2006/main" xmlns:r="http://schemas.openxmlformats.org/officeDocument/2006/relationships" xmlns:p="http://schemas.openxmlformats.org/presentationml/2006/main">
   <p:cSld>
     <p:spTree>
@@ -13372,90 +13974,7 @@
 </p:sld>
 </file>
 
-<file path=ppt/slides/slide3.xml><?xml version="1.0" encoding="utf-8"?>
-<p:sld xmlns:a="http://schemas.openxmlformats.org/drawingml/2006/main" xmlns:r="http://schemas.openxmlformats.org/officeDocument/2006/relationships" xmlns:p="http://schemas.openxmlformats.org/presentationml/2006/main">
-  <p:cSld>
-    <p:spTree>
-      <p:nvGrpSpPr>
-        <p:cNvPr id="1" name=""/>
-        <p:cNvGrpSpPr/>
-        <p:nvPr/>
-      </p:nvGrpSpPr>
-      <p:grpSpPr>
-        <a:xfrm>
-          <a:off x="0" y="0"/>
-          <a:ext cx="0" cy="0"/>
-          <a:chOff x="0" y="0"/>
-          <a:chExt cx="0" cy="0"/>
-        </a:xfrm>
-      </p:grpSpPr>
-      <p:sp>
-        <p:nvSpPr>
-          <p:cNvPr id="2" name="Title 1">
-            <a:extLst>
-              <a:ext uri="{FF2B5EF4-FFF2-40B4-BE49-F238E27FC236}">
-                <a16:creationId xmlns:a16="http://schemas.microsoft.com/office/drawing/2014/main" id="{5547737E-5FED-48F4-991A-7AB63A2A1EB0}"/>
-              </a:ext>
-            </a:extLst>
-          </p:cNvPr>
-          <p:cNvSpPr>
-            <a:spLocks noGrp="1"/>
-          </p:cNvSpPr>
-          <p:nvPr>
-            <p:ph type="title"/>
-          </p:nvPr>
-        </p:nvSpPr>
-        <p:spPr/>
-        <p:txBody>
-          <a:bodyPr/>
-          <a:lstStyle/>
-          <a:p>
-            <a:r>
-              <a:rPr lang="de-CH" dirty="0"/>
-              <a:t>Einführung</a:t>
-            </a:r>
-          </a:p>
-        </p:txBody>
-      </p:sp>
-      <p:sp>
-        <p:nvSpPr>
-          <p:cNvPr id="3" name="Text Placeholder 2">
-            <a:extLst>
-              <a:ext uri="{FF2B5EF4-FFF2-40B4-BE49-F238E27FC236}">
-                <a16:creationId xmlns:a16="http://schemas.microsoft.com/office/drawing/2014/main" id="{D5906DD5-BA53-4944-BA69-933C2231DC90}"/>
-              </a:ext>
-            </a:extLst>
-          </p:cNvPr>
-          <p:cNvSpPr>
-            <a:spLocks noGrp="1"/>
-          </p:cNvSpPr>
-          <p:nvPr>
-            <p:ph type="body" idx="1"/>
-          </p:nvPr>
-        </p:nvSpPr>
-        <p:spPr/>
-        <p:txBody>
-          <a:bodyPr/>
-          <a:lstStyle/>
-          <a:p>
-            <a:endParaRPr lang="de-CH"/>
-          </a:p>
-        </p:txBody>
-      </p:sp>
-    </p:spTree>
-    <p:extLst>
-      <p:ext uri="{BB962C8B-B14F-4D97-AF65-F5344CB8AC3E}">
-        <p14:creationId xmlns:p14="http://schemas.microsoft.com/office/powerpoint/2010/main" val="3808451040"/>
-      </p:ext>
-    </p:extLst>
-  </p:cSld>
-  <p:clrMapOvr>
-    <a:masterClrMapping/>
-  </p:clrMapOvr>
-</p:sld>
-</file>
-
-<file path=ppt/slides/slide30.xml><?xml version="1.0" encoding="utf-8"?>
+<file path=ppt/slides/slide29.xml><?xml version="1.0" encoding="utf-8"?>
 <p:sld xmlns:a="http://schemas.openxmlformats.org/drawingml/2006/main" xmlns:r="http://schemas.openxmlformats.org/officeDocument/2006/relationships" xmlns:p="http://schemas.openxmlformats.org/presentationml/2006/main">
   <p:cSld>
     <p:spTree>
@@ -13760,6 +14279,64 @@
     <p:extLst>
       <p:ext uri="{BB962C8B-B14F-4D97-AF65-F5344CB8AC3E}">
         <p14:creationId xmlns:p14="http://schemas.microsoft.com/office/powerpoint/2010/main" val="3524103885"/>
+      </p:ext>
+    </p:extLst>
+  </p:cSld>
+  <p:clrMapOvr>
+    <a:masterClrMapping/>
+  </p:clrMapOvr>
+</p:sld>
+</file>
+
+<file path=ppt/slides/slide3.xml><?xml version="1.0" encoding="utf-8"?>
+<p:sld xmlns:a="http://schemas.openxmlformats.org/drawingml/2006/main" xmlns:r="http://schemas.openxmlformats.org/officeDocument/2006/relationships" xmlns:p="http://schemas.openxmlformats.org/presentationml/2006/main">
+  <p:cSld>
+    <p:spTree>
+      <p:nvGrpSpPr>
+        <p:cNvPr id="1" name=""/>
+        <p:cNvGrpSpPr/>
+        <p:nvPr/>
+      </p:nvGrpSpPr>
+      <p:grpSpPr>
+        <a:xfrm>
+          <a:off x="0" y="0"/>
+          <a:ext cx="0" cy="0"/>
+          <a:chOff x="0" y="0"/>
+          <a:chExt cx="0" cy="0"/>
+        </a:xfrm>
+      </p:grpSpPr>
+      <p:sp>
+        <p:nvSpPr>
+          <p:cNvPr id="2" name="Title 1">
+            <a:extLst>
+              <a:ext uri="{FF2B5EF4-FFF2-40B4-BE49-F238E27FC236}">
+                <a16:creationId xmlns:a16="http://schemas.microsoft.com/office/drawing/2014/main" id="{5547737E-5FED-48F4-991A-7AB63A2A1EB0}"/>
+              </a:ext>
+            </a:extLst>
+          </p:cNvPr>
+          <p:cNvSpPr>
+            <a:spLocks noGrp="1"/>
+          </p:cNvSpPr>
+          <p:nvPr>
+            <p:ph type="title"/>
+          </p:nvPr>
+        </p:nvSpPr>
+        <p:spPr/>
+        <p:txBody>
+          <a:bodyPr/>
+          <a:lstStyle/>
+          <a:p>
+            <a:r>
+              <a:rPr lang="de-CH" dirty="0"/>
+              <a:t>Einführung</a:t>
+            </a:r>
+          </a:p>
+        </p:txBody>
+      </p:sp>
+    </p:spTree>
+    <p:extLst>
+      <p:ext uri="{BB962C8B-B14F-4D97-AF65-F5344CB8AC3E}">
+        <p14:creationId xmlns:p14="http://schemas.microsoft.com/office/powerpoint/2010/main" val="3808451040"/>
       </p:ext>
     </p:extLst>
   </p:cSld>
@@ -14565,7 +15142,7 @@
             </a:pPr>
             <a:r>
               <a:rPr lang="de-CH" dirty="0"/>
-              <a:t>Erste Erfahrung mit «admin.ch»</a:t>
+              <a:t>Erste Erfahrung mit der Bundesverwaltung</a:t>
             </a:r>
           </a:p>
           <a:p>
@@ -14660,7 +15237,7 @@
           <p:nvPr/>
         </p:nvPicPr>
         <p:blipFill>
-          <a:blip r:embed="rId2">
+          <a:blip r:embed="rId3">
             <a:extLst>
               <a:ext uri="{28A0092B-C50C-407E-A947-70E740481C1C}">
                 <a14:useLocalDpi xmlns:a14="http://schemas.microsoft.com/office/drawing/2010/main" val="0"/>
@@ -14685,343 +15262,6 @@
     <p:extLst>
       <p:ext uri="{BB962C8B-B14F-4D97-AF65-F5344CB8AC3E}">
         <p14:creationId xmlns:p14="http://schemas.microsoft.com/office/powerpoint/2010/main" val="1944749565"/>
-      </p:ext>
-    </p:extLst>
-  </p:cSld>
-  <p:clrMapOvr>
-    <a:masterClrMapping/>
-  </p:clrMapOvr>
-</p:sld>
-</file>
-
-<file path=ppt/slides/slide6.xml><?xml version="1.0" encoding="utf-8"?>
-<p:sld xmlns:a="http://schemas.openxmlformats.org/drawingml/2006/main" xmlns:r="http://schemas.openxmlformats.org/officeDocument/2006/relationships" xmlns:p="http://schemas.openxmlformats.org/presentationml/2006/main">
-  <p:cSld>
-    <p:spTree>
-      <p:nvGrpSpPr>
-        <p:cNvPr id="1" name=""/>
-        <p:cNvGrpSpPr/>
-        <p:nvPr/>
-      </p:nvGrpSpPr>
-      <p:grpSpPr>
-        <a:xfrm>
-          <a:off x="0" y="0"/>
-          <a:ext cx="0" cy="0"/>
-          <a:chOff x="0" y="0"/>
-          <a:chExt cx="0" cy="0"/>
-        </a:xfrm>
-      </p:grpSpPr>
-      <p:sp>
-        <p:nvSpPr>
-          <p:cNvPr id="2" name="Title 1">
-            <a:extLst>
-              <a:ext uri="{FF2B5EF4-FFF2-40B4-BE49-F238E27FC236}">
-                <a16:creationId xmlns:a16="http://schemas.microsoft.com/office/drawing/2014/main" id="{FED81A07-1C26-4FFE-80AB-3D555CD24E74}"/>
-              </a:ext>
-            </a:extLst>
-          </p:cNvPr>
-          <p:cNvSpPr>
-            <a:spLocks noGrp="1"/>
-          </p:cNvSpPr>
-          <p:nvPr>
-            <p:ph type="title"/>
-          </p:nvPr>
-        </p:nvSpPr>
-        <p:spPr/>
-        <p:txBody>
-          <a:bodyPr/>
-          <a:lstStyle/>
-          <a:p>
-            <a:r>
-              <a:rPr lang="de-CH" sz="1200" dirty="0"/>
-              <a:t>Einführung - </a:t>
-            </a:r>
-            <a:r>
-              <a:rPr lang="de-CH" dirty="0"/>
-              <a:t>Projekt Viaduc</a:t>
-            </a:r>
-          </a:p>
-        </p:txBody>
-      </p:sp>
-      <p:sp>
-        <p:nvSpPr>
-          <p:cNvPr id="4" name="Text Placeholder 3">
-            <a:extLst>
-              <a:ext uri="{FF2B5EF4-FFF2-40B4-BE49-F238E27FC236}">
-                <a16:creationId xmlns:a16="http://schemas.microsoft.com/office/drawing/2014/main" id="{521D5037-5DCF-4DD0-810B-AA9DCF7B6C5B}"/>
-              </a:ext>
-            </a:extLst>
-          </p:cNvPr>
-          <p:cNvSpPr>
-            <a:spLocks noGrp="1"/>
-          </p:cNvSpPr>
-          <p:nvPr>
-            <p:ph type="body" sz="quarter" idx="10"/>
-          </p:nvPr>
-        </p:nvSpPr>
-        <p:spPr>
-          <a:xfrm>
-            <a:off x="935038" y="908760"/>
-            <a:ext cx="7885112" cy="360000"/>
-          </a:xfrm>
-        </p:spPr>
-        <p:txBody>
-          <a:bodyPr/>
-          <a:lstStyle/>
-          <a:p>
-            <a:r>
-              <a:rPr lang="de-CH" b="1" i="1" dirty="0"/>
-              <a:t>Admin.ch – «Habe ich doch auch schon gehört…"</a:t>
-            </a:r>
-          </a:p>
-        </p:txBody>
-      </p:sp>
-      <p:pic>
-        <p:nvPicPr>
-          <p:cNvPr id="8" name="Content Placeholder 7">
-            <a:extLst>
-              <a:ext uri="{FF2B5EF4-FFF2-40B4-BE49-F238E27FC236}">
-                <a16:creationId xmlns:a16="http://schemas.microsoft.com/office/drawing/2014/main" id="{5CD2173A-95BE-49A1-8E6E-7CAA38F5CEC1}"/>
-              </a:ext>
-            </a:extLst>
-          </p:cNvPr>
-          <p:cNvPicPr>
-            <a:picLocks noGrp="1" noChangeAspect="1"/>
-          </p:cNvPicPr>
-          <p:nvPr>
-            <p:ph idx="1"/>
-          </p:nvPr>
-        </p:nvPicPr>
-        <p:blipFill rotWithShape="1">
-          <a:blip r:embed="rId2"/>
-          <a:srcRect l="11638" r="12550"/>
-          <a:stretch/>
-        </p:blipFill>
-        <p:spPr>
-          <a:xfrm>
-            <a:off x="935038" y="1844824"/>
-            <a:ext cx="6229250" cy="3894373"/>
-          </a:xfrm>
-          <a:prstGeom prst="rect">
-            <a:avLst/>
-          </a:prstGeom>
-        </p:spPr>
-      </p:pic>
-    </p:spTree>
-    <p:extLst>
-      <p:ext uri="{BB962C8B-B14F-4D97-AF65-F5344CB8AC3E}">
-        <p14:creationId xmlns:p14="http://schemas.microsoft.com/office/powerpoint/2010/main" val="3706100039"/>
-      </p:ext>
-    </p:extLst>
-  </p:cSld>
-  <p:clrMapOvr>
-    <a:masterClrMapping/>
-  </p:clrMapOvr>
-</p:sld>
-</file>
-
-<file path=ppt/slides/slide7.xml><?xml version="1.0" encoding="utf-8"?>
-<p:sld xmlns:a="http://schemas.openxmlformats.org/drawingml/2006/main" xmlns:r="http://schemas.openxmlformats.org/officeDocument/2006/relationships" xmlns:p="http://schemas.openxmlformats.org/presentationml/2006/main">
-  <p:cSld>
-    <p:spTree>
-      <p:nvGrpSpPr>
-        <p:cNvPr id="1" name=""/>
-        <p:cNvGrpSpPr/>
-        <p:nvPr/>
-      </p:nvGrpSpPr>
-      <p:grpSpPr>
-        <a:xfrm>
-          <a:off x="0" y="0"/>
-          <a:ext cx="0" cy="0"/>
-          <a:chOff x="0" y="0"/>
-          <a:chExt cx="0" cy="0"/>
-        </a:xfrm>
-      </p:grpSpPr>
-      <p:sp>
-        <p:nvSpPr>
-          <p:cNvPr id="2" name="Title 1">
-            <a:extLst>
-              <a:ext uri="{FF2B5EF4-FFF2-40B4-BE49-F238E27FC236}">
-                <a16:creationId xmlns:a16="http://schemas.microsoft.com/office/drawing/2014/main" id="{2ED6EE5F-56D8-400E-83E5-1D2C59F9F975}"/>
-              </a:ext>
-            </a:extLst>
-          </p:cNvPr>
-          <p:cNvSpPr>
-            <a:spLocks noGrp="1"/>
-          </p:cNvSpPr>
-          <p:nvPr>
-            <p:ph type="title"/>
-          </p:nvPr>
-        </p:nvSpPr>
-        <p:spPr/>
-        <p:txBody>
-          <a:bodyPr/>
-          <a:lstStyle/>
-          <a:p>
-            <a:r>
-              <a:rPr lang="de-CH" sz="1200" dirty="0"/>
-              <a:t>Einführung - </a:t>
-            </a:r>
-            <a:r>
-              <a:rPr lang="de-CH" dirty="0"/>
-              <a:t>Projekt Viaduc</a:t>
-            </a:r>
-          </a:p>
-        </p:txBody>
-      </p:sp>
-      <p:sp>
-        <p:nvSpPr>
-          <p:cNvPr id="3" name="Content Placeholder 2">
-            <a:extLst>
-              <a:ext uri="{FF2B5EF4-FFF2-40B4-BE49-F238E27FC236}">
-                <a16:creationId xmlns:a16="http://schemas.microsoft.com/office/drawing/2014/main" id="{7582B62A-5331-4C63-880F-A0859557160E}"/>
-              </a:ext>
-            </a:extLst>
-          </p:cNvPr>
-          <p:cNvSpPr>
-            <a:spLocks noGrp="1"/>
-          </p:cNvSpPr>
-          <p:nvPr>
-            <p:ph idx="1"/>
-          </p:nvPr>
-        </p:nvSpPr>
-        <p:spPr/>
-        <p:txBody>
-          <a:bodyPr/>
-          <a:lstStyle/>
-          <a:p>
-            <a:pPr>
-              <a:lnSpc>
-                <a:spcPct val="300000"/>
-              </a:lnSpc>
-              <a:buClr>
-                <a:srgbClr val="00B0F0"/>
-              </a:buClr>
-              <a:buFont typeface="Wingdings" panose="05000000000000000000" pitchFamily="2" charset="2"/>
-              <a:buChar char="§"/>
-            </a:pPr>
-            <a:r>
-              <a:rPr lang="de-CH" dirty="0"/>
-              <a:t>Ablösen der alten bar.admin.ch Seite</a:t>
-            </a:r>
-          </a:p>
-          <a:p>
-            <a:pPr>
-              <a:lnSpc>
-                <a:spcPct val="300000"/>
-              </a:lnSpc>
-              <a:buClr>
-                <a:srgbClr val="00B0F0"/>
-              </a:buClr>
-              <a:buFont typeface="Wingdings" panose="05000000000000000000" pitchFamily="2" charset="2"/>
-              <a:buChar char="§"/>
-            </a:pPr>
-            <a:r>
-              <a:rPr lang="de-CH" dirty="0"/>
-              <a:t>Modernisieren des GUI</a:t>
-            </a:r>
-          </a:p>
-          <a:p>
-            <a:pPr>
-              <a:lnSpc>
-                <a:spcPct val="300000"/>
-              </a:lnSpc>
-              <a:buClr>
-                <a:srgbClr val="00B0F0"/>
-              </a:buClr>
-              <a:buFont typeface="Wingdings" panose="05000000000000000000" pitchFamily="2" charset="2"/>
-              <a:buChar char="§"/>
-            </a:pPr>
-            <a:r>
-              <a:rPr lang="de-CH" dirty="0"/>
-              <a:t>Funktionalitätserweiterung im Backend</a:t>
-            </a:r>
-          </a:p>
-          <a:p>
-            <a:pPr>
-              <a:lnSpc>
-                <a:spcPct val="300000"/>
-              </a:lnSpc>
-              <a:buClr>
-                <a:srgbClr val="00B0F0"/>
-              </a:buClr>
-              <a:buFont typeface="Wingdings" panose="05000000000000000000" pitchFamily="2" charset="2"/>
-              <a:buChar char="§"/>
-            </a:pPr>
-            <a:r>
-              <a:rPr lang="de-CH" dirty="0"/>
-              <a:t>Managementclient für verschiedenste Einstellungen</a:t>
-            </a:r>
-          </a:p>
-        </p:txBody>
-      </p:sp>
-      <p:sp>
-        <p:nvSpPr>
-          <p:cNvPr id="4" name="Text Placeholder 3">
-            <a:extLst>
-              <a:ext uri="{FF2B5EF4-FFF2-40B4-BE49-F238E27FC236}">
-                <a16:creationId xmlns:a16="http://schemas.microsoft.com/office/drawing/2014/main" id="{ED0FEDB2-1CAB-48F0-A292-4328DD72C643}"/>
-              </a:ext>
-            </a:extLst>
-          </p:cNvPr>
-          <p:cNvSpPr>
-            <a:spLocks noGrp="1"/>
-          </p:cNvSpPr>
-          <p:nvPr>
-            <p:ph type="body" sz="quarter" idx="10"/>
-          </p:nvPr>
-        </p:nvSpPr>
-        <p:spPr>
-          <a:xfrm>
-            <a:off x="935038" y="836712"/>
-            <a:ext cx="7885112" cy="360000"/>
-          </a:xfrm>
-        </p:spPr>
-        <p:txBody>
-          <a:bodyPr/>
-          <a:lstStyle/>
-          <a:p>
-            <a:r>
-              <a:rPr lang="de-CH" b="1" i="1" dirty="0"/>
-              <a:t>Inhalt des Projekt</a:t>
-            </a:r>
-          </a:p>
-        </p:txBody>
-      </p:sp>
-      <p:pic>
-        <p:nvPicPr>
-          <p:cNvPr id="6" name="Grafik 5"/>
-          <p:cNvPicPr>
-            <a:picLocks noChangeAspect="1"/>
-          </p:cNvPicPr>
-          <p:nvPr/>
-        </p:nvPicPr>
-        <p:blipFill>
-          <a:blip r:embed="rId2">
-            <a:extLst>
-              <a:ext uri="{28A0092B-C50C-407E-A947-70E740481C1C}">
-                <a14:useLocalDpi xmlns:a14="http://schemas.microsoft.com/office/drawing/2010/main" val="0"/>
-              </a:ext>
-            </a:extLst>
-          </a:blip>
-          <a:stretch>
-            <a:fillRect/>
-          </a:stretch>
-        </p:blipFill>
-        <p:spPr>
-          <a:xfrm>
-            <a:off x="7634723" y="758973"/>
-            <a:ext cx="609685" cy="609685"/>
-          </a:xfrm>
-          <a:prstGeom prst="rect">
-            <a:avLst/>
-          </a:prstGeom>
-        </p:spPr>
-      </p:pic>
-    </p:spTree>
-    <p:extLst>
-      <p:ext uri="{BB962C8B-B14F-4D97-AF65-F5344CB8AC3E}">
-        <p14:creationId xmlns:p14="http://schemas.microsoft.com/office/powerpoint/2010/main" val="4259120298"/>
       </p:ext>
     </p:extLst>
   </p:cSld>
@@ -15257,7 +15497,496 @@
 </p:sld>
 </file>
 
-<file path=ppt/slides/slide8.xml><?xml version="1.0" encoding="utf-8"?>
+<file path=ppt/slides/slide6.xml><?xml version="1.0" encoding="utf-8"?>
+<p:sld xmlns:a="http://schemas.openxmlformats.org/drawingml/2006/main" xmlns:r="http://schemas.openxmlformats.org/officeDocument/2006/relationships" xmlns:p="http://schemas.openxmlformats.org/presentationml/2006/main">
+  <p:cSld>
+    <p:spTree>
+      <p:nvGrpSpPr>
+        <p:cNvPr id="1" name=""/>
+        <p:cNvGrpSpPr/>
+        <p:nvPr/>
+      </p:nvGrpSpPr>
+      <p:grpSpPr>
+        <a:xfrm>
+          <a:off x="0" y="0"/>
+          <a:ext cx="0" cy="0"/>
+          <a:chOff x="0" y="0"/>
+          <a:chExt cx="0" cy="0"/>
+        </a:xfrm>
+      </p:grpSpPr>
+      <p:sp>
+        <p:nvSpPr>
+          <p:cNvPr id="2" name="Title 1">
+            <a:extLst>
+              <a:ext uri="{FF2B5EF4-FFF2-40B4-BE49-F238E27FC236}">
+                <a16:creationId xmlns:a16="http://schemas.microsoft.com/office/drawing/2014/main" id="{2ED6EE5F-56D8-400E-83E5-1D2C59F9F975}"/>
+              </a:ext>
+            </a:extLst>
+          </p:cNvPr>
+          <p:cNvSpPr>
+            <a:spLocks noGrp="1"/>
+          </p:cNvSpPr>
+          <p:nvPr>
+            <p:ph type="title"/>
+          </p:nvPr>
+        </p:nvSpPr>
+        <p:spPr/>
+        <p:txBody>
+          <a:bodyPr/>
+          <a:lstStyle/>
+          <a:p>
+            <a:r>
+              <a:rPr lang="de-CH" sz="1200" dirty="0"/>
+              <a:t>Einführung - </a:t>
+            </a:r>
+            <a:r>
+              <a:rPr lang="de-CH" dirty="0"/>
+              <a:t>Projekt Viaduc</a:t>
+            </a:r>
+          </a:p>
+        </p:txBody>
+      </p:sp>
+      <p:sp>
+        <p:nvSpPr>
+          <p:cNvPr id="3" name="Content Placeholder 2">
+            <a:extLst>
+              <a:ext uri="{FF2B5EF4-FFF2-40B4-BE49-F238E27FC236}">
+                <a16:creationId xmlns:a16="http://schemas.microsoft.com/office/drawing/2014/main" id="{7582B62A-5331-4C63-880F-A0859557160E}"/>
+              </a:ext>
+            </a:extLst>
+          </p:cNvPr>
+          <p:cNvSpPr>
+            <a:spLocks noGrp="1"/>
+          </p:cNvSpPr>
+          <p:nvPr>
+            <p:ph idx="1"/>
+          </p:nvPr>
+        </p:nvSpPr>
+        <p:spPr>
+          <a:xfrm>
+            <a:off x="936000" y="1233950"/>
+            <a:ext cx="6012264" cy="4716000"/>
+          </a:xfrm>
+        </p:spPr>
+        <p:txBody>
+          <a:bodyPr/>
+          <a:lstStyle/>
+          <a:p>
+            <a:pPr>
+              <a:lnSpc>
+                <a:spcPct val="300000"/>
+              </a:lnSpc>
+              <a:buClr>
+                <a:srgbClr val="00B0F0"/>
+              </a:buClr>
+              <a:buFont typeface="Wingdings" panose="05000000000000000000" pitchFamily="2" charset="2"/>
+              <a:buChar char="§"/>
+            </a:pPr>
+            <a:r>
+              <a:rPr lang="de-CH" dirty="0"/>
+              <a:t>Neuer digitaler Lesesaal für das Bundesarchiv</a:t>
+            </a:r>
+          </a:p>
+          <a:p>
+            <a:pPr>
+              <a:lnSpc>
+                <a:spcPct val="300000"/>
+              </a:lnSpc>
+              <a:buClr>
+                <a:srgbClr val="00B0F0"/>
+              </a:buClr>
+              <a:buFont typeface="Wingdings" panose="05000000000000000000" pitchFamily="2" charset="2"/>
+              <a:buChar char="§"/>
+            </a:pPr>
+            <a:r>
+              <a:rPr lang="de-CH" dirty="0"/>
+              <a:t>Ablösen der alten swiss-archives.ch Seite</a:t>
+            </a:r>
+          </a:p>
+          <a:p>
+            <a:pPr>
+              <a:lnSpc>
+                <a:spcPct val="300000"/>
+              </a:lnSpc>
+              <a:buClr>
+                <a:srgbClr val="00B0F0"/>
+              </a:buClr>
+              <a:buFont typeface="Wingdings" panose="05000000000000000000" pitchFamily="2" charset="2"/>
+              <a:buChar char="§"/>
+            </a:pPr>
+            <a:r>
+              <a:rPr lang="de-CH" dirty="0"/>
+              <a:t>Funktionalitätserweiterungen</a:t>
+            </a:r>
+          </a:p>
+          <a:p>
+            <a:pPr lvl="2">
+              <a:lnSpc>
+                <a:spcPct val="100000"/>
+              </a:lnSpc>
+              <a:buClr>
+                <a:srgbClr val="00B0F0"/>
+              </a:buClr>
+              <a:buFont typeface="Wingdings" panose="05000000000000000000" pitchFamily="2" charset="2"/>
+              <a:buChar char="§"/>
+            </a:pPr>
+            <a:r>
+              <a:rPr lang="de-CH" dirty="0"/>
+              <a:t>Z.B. Digitalisierung von Dossiers</a:t>
+            </a:r>
+          </a:p>
+          <a:p>
+            <a:pPr>
+              <a:lnSpc>
+                <a:spcPct val="300000"/>
+              </a:lnSpc>
+              <a:buClr>
+                <a:srgbClr val="00B0F0"/>
+              </a:buClr>
+              <a:buFont typeface="Wingdings" panose="05000000000000000000" pitchFamily="2" charset="2"/>
+              <a:buChar char="§"/>
+            </a:pPr>
+            <a:r>
+              <a:rPr lang="de-CH" dirty="0"/>
+              <a:t>Managementclient für verschiedenste Einstellungen</a:t>
+            </a:r>
+          </a:p>
+        </p:txBody>
+      </p:sp>
+      <p:sp>
+        <p:nvSpPr>
+          <p:cNvPr id="4" name="Text Placeholder 3">
+            <a:extLst>
+              <a:ext uri="{FF2B5EF4-FFF2-40B4-BE49-F238E27FC236}">
+                <a16:creationId xmlns:a16="http://schemas.microsoft.com/office/drawing/2014/main" id="{ED0FEDB2-1CAB-48F0-A292-4328DD72C643}"/>
+              </a:ext>
+            </a:extLst>
+          </p:cNvPr>
+          <p:cNvSpPr>
+            <a:spLocks noGrp="1"/>
+          </p:cNvSpPr>
+          <p:nvPr>
+            <p:ph type="body" sz="quarter" idx="10"/>
+          </p:nvPr>
+        </p:nvSpPr>
+        <p:spPr>
+          <a:xfrm>
+            <a:off x="935038" y="836712"/>
+            <a:ext cx="7885112" cy="360000"/>
+          </a:xfrm>
+        </p:spPr>
+        <p:txBody>
+          <a:bodyPr/>
+          <a:lstStyle/>
+          <a:p>
+            <a:r>
+              <a:rPr lang="de-CH" b="1" i="1" dirty="0"/>
+              <a:t>Inhalt des Projekts</a:t>
+            </a:r>
+          </a:p>
+        </p:txBody>
+      </p:sp>
+      <p:pic>
+        <p:nvPicPr>
+          <p:cNvPr id="6" name="Grafik 5"/>
+          <p:cNvPicPr>
+            <a:picLocks noChangeAspect="1"/>
+          </p:cNvPicPr>
+          <p:nvPr/>
+        </p:nvPicPr>
+        <p:blipFill>
+          <a:blip r:embed="rId2">
+            <a:extLst>
+              <a:ext uri="{28A0092B-C50C-407E-A947-70E740481C1C}">
+                <a14:useLocalDpi xmlns:a14="http://schemas.microsoft.com/office/drawing/2010/main" val="0"/>
+              </a:ext>
+            </a:extLst>
+          </a:blip>
+          <a:stretch>
+            <a:fillRect/>
+          </a:stretch>
+        </p:blipFill>
+        <p:spPr>
+          <a:xfrm>
+            <a:off x="7634723" y="758973"/>
+            <a:ext cx="609685" cy="609685"/>
+          </a:xfrm>
+          <a:prstGeom prst="rect">
+            <a:avLst/>
+          </a:prstGeom>
+        </p:spPr>
+      </p:pic>
+    </p:spTree>
+    <p:extLst>
+      <p:ext uri="{BB962C8B-B14F-4D97-AF65-F5344CB8AC3E}">
+        <p14:creationId xmlns:p14="http://schemas.microsoft.com/office/powerpoint/2010/main" val="4259120298"/>
+      </p:ext>
+    </p:extLst>
+  </p:cSld>
+  <p:clrMapOvr>
+    <a:masterClrMapping/>
+  </p:clrMapOvr>
+  <p:timing>
+    <p:tnLst>
+      <p:par>
+        <p:cTn id="1" dur="indefinite" restart="never" nodeType="tmRoot">
+          <p:childTnLst>
+            <p:seq concurrent="1" nextAc="seek">
+              <p:cTn id="2" dur="indefinite" nodeType="mainSeq">
+                <p:childTnLst>
+                  <p:par>
+                    <p:cTn id="3" fill="hold">
+                      <p:stCondLst>
+                        <p:cond delay="indefinite"/>
+                      </p:stCondLst>
+                      <p:childTnLst>
+                        <p:par>
+                          <p:cTn id="4" fill="hold">
+                            <p:stCondLst>
+                              <p:cond delay="0"/>
+                            </p:stCondLst>
+                            <p:childTnLst>
+                              <p:par>
+                                <p:cTn id="5" presetID="1" presetClass="entr" presetSubtype="0" fill="hold" nodeType="clickEffect">
+                                  <p:stCondLst>
+                                    <p:cond delay="0"/>
+                                  </p:stCondLst>
+                                  <p:childTnLst>
+                                    <p:set>
+                                      <p:cBhvr>
+                                        <p:cTn id="6" dur="1" fill="hold">
+                                          <p:stCondLst>
+                                            <p:cond delay="0"/>
+                                          </p:stCondLst>
+                                        </p:cTn>
+                                        <p:tgtEl>
+                                          <p:spTgt spid="3">
+                                            <p:txEl>
+                                              <p:pRg st="0" end="0"/>
+                                            </p:txEl>
+                                          </p:spTgt>
+                                        </p:tgtEl>
+                                        <p:attrNameLst>
+                                          <p:attrName>style.visibility</p:attrName>
+                                        </p:attrNameLst>
+                                      </p:cBhvr>
+                                      <p:to>
+                                        <p:strVal val="visible"/>
+                                      </p:to>
+                                    </p:set>
+                                  </p:childTnLst>
+                                </p:cTn>
+                              </p:par>
+                            </p:childTnLst>
+                          </p:cTn>
+                        </p:par>
+                      </p:childTnLst>
+                    </p:cTn>
+                  </p:par>
+                  <p:par>
+                    <p:cTn id="7" fill="hold">
+                      <p:stCondLst>
+                        <p:cond delay="indefinite"/>
+                      </p:stCondLst>
+                      <p:childTnLst>
+                        <p:par>
+                          <p:cTn id="8" fill="hold">
+                            <p:stCondLst>
+                              <p:cond delay="0"/>
+                            </p:stCondLst>
+                            <p:childTnLst>
+                              <p:par>
+                                <p:cTn id="9" presetID="1" presetClass="entr" presetSubtype="0" fill="hold" nodeType="clickEffect">
+                                  <p:stCondLst>
+                                    <p:cond delay="0"/>
+                                  </p:stCondLst>
+                                  <p:childTnLst>
+                                    <p:set>
+                                      <p:cBhvr>
+                                        <p:cTn id="10" dur="1" fill="hold">
+                                          <p:stCondLst>
+                                            <p:cond delay="0"/>
+                                          </p:stCondLst>
+                                        </p:cTn>
+                                        <p:tgtEl>
+                                          <p:spTgt spid="3">
+                                            <p:txEl>
+                                              <p:pRg st="1" end="1"/>
+                                            </p:txEl>
+                                          </p:spTgt>
+                                        </p:tgtEl>
+                                        <p:attrNameLst>
+                                          <p:attrName>style.visibility</p:attrName>
+                                        </p:attrNameLst>
+                                      </p:cBhvr>
+                                      <p:to>
+                                        <p:strVal val="visible"/>
+                                      </p:to>
+                                    </p:set>
+                                  </p:childTnLst>
+                                </p:cTn>
+                              </p:par>
+                            </p:childTnLst>
+                          </p:cTn>
+                        </p:par>
+                      </p:childTnLst>
+                    </p:cTn>
+                  </p:par>
+                  <p:par>
+                    <p:cTn id="11" fill="hold">
+                      <p:stCondLst>
+                        <p:cond delay="indefinite"/>
+                      </p:stCondLst>
+                      <p:childTnLst>
+                        <p:par>
+                          <p:cTn id="12" fill="hold">
+                            <p:stCondLst>
+                              <p:cond delay="0"/>
+                            </p:stCondLst>
+                            <p:childTnLst>
+                              <p:par>
+                                <p:cTn id="13" presetID="1" presetClass="entr" presetSubtype="0" fill="hold" nodeType="clickEffect">
+                                  <p:stCondLst>
+                                    <p:cond delay="0"/>
+                                  </p:stCondLst>
+                                  <p:childTnLst>
+                                    <p:set>
+                                      <p:cBhvr>
+                                        <p:cTn id="14" dur="1" fill="hold">
+                                          <p:stCondLst>
+                                            <p:cond delay="0"/>
+                                          </p:stCondLst>
+                                        </p:cTn>
+                                        <p:tgtEl>
+                                          <p:spTgt spid="3">
+                                            <p:txEl>
+                                              <p:pRg st="2" end="2"/>
+                                            </p:txEl>
+                                          </p:spTgt>
+                                        </p:tgtEl>
+                                        <p:attrNameLst>
+                                          <p:attrName>style.visibility</p:attrName>
+                                        </p:attrNameLst>
+                                      </p:cBhvr>
+                                      <p:to>
+                                        <p:strVal val="visible"/>
+                                      </p:to>
+                                    </p:set>
+                                  </p:childTnLst>
+                                </p:cTn>
+                              </p:par>
+                              <p:par>
+                                <p:cTn id="15" presetID="1" presetClass="entr" presetSubtype="0" fill="hold" nodeType="withEffect">
+                                  <p:stCondLst>
+                                    <p:cond delay="0"/>
+                                  </p:stCondLst>
+                                  <p:childTnLst>
+                                    <p:set>
+                                      <p:cBhvr>
+                                        <p:cTn id="16" dur="1" fill="hold">
+                                          <p:stCondLst>
+                                            <p:cond delay="0"/>
+                                          </p:stCondLst>
+                                        </p:cTn>
+                                        <p:tgtEl>
+                                          <p:spTgt spid="3">
+                                            <p:txEl>
+                                              <p:pRg st="3" end="3"/>
+                                            </p:txEl>
+                                          </p:spTgt>
+                                        </p:tgtEl>
+                                        <p:attrNameLst>
+                                          <p:attrName>style.visibility</p:attrName>
+                                        </p:attrNameLst>
+                                      </p:cBhvr>
+                                      <p:to>
+                                        <p:strVal val="visible"/>
+                                      </p:to>
+                                    </p:set>
+                                  </p:childTnLst>
+                                </p:cTn>
+                              </p:par>
+                            </p:childTnLst>
+                          </p:cTn>
+                        </p:par>
+                      </p:childTnLst>
+                    </p:cTn>
+                  </p:par>
+                  <p:par>
+                    <p:cTn id="17" fill="hold">
+                      <p:stCondLst>
+                        <p:cond delay="indefinite"/>
+                      </p:stCondLst>
+                      <p:childTnLst>
+                        <p:par>
+                          <p:cTn id="18" fill="hold">
+                            <p:stCondLst>
+                              <p:cond delay="0"/>
+                            </p:stCondLst>
+                            <p:childTnLst>
+                              <p:par>
+                                <p:cTn id="19" presetID="1" presetClass="entr" presetSubtype="0" fill="hold" nodeType="clickEffect">
+                                  <p:stCondLst>
+                                    <p:cond delay="0"/>
+                                  </p:stCondLst>
+                                  <p:childTnLst>
+                                    <p:set>
+                                      <p:cBhvr>
+                                        <p:cTn id="20" dur="1" fill="hold">
+                                          <p:stCondLst>
+                                            <p:cond delay="0"/>
+                                          </p:stCondLst>
+                                        </p:cTn>
+                                        <p:tgtEl>
+                                          <p:spTgt spid="3">
+                                            <p:txEl>
+                                              <p:pRg st="4" end="4"/>
+                                            </p:txEl>
+                                          </p:spTgt>
+                                        </p:tgtEl>
+                                        <p:attrNameLst>
+                                          <p:attrName>style.visibility</p:attrName>
+                                        </p:attrNameLst>
+                                      </p:cBhvr>
+                                      <p:to>
+                                        <p:strVal val="visible"/>
+                                      </p:to>
+                                    </p:set>
+                                  </p:childTnLst>
+                                </p:cTn>
+                              </p:par>
+                            </p:childTnLst>
+                          </p:cTn>
+                        </p:par>
+                      </p:childTnLst>
+                    </p:cTn>
+                  </p:par>
+                </p:childTnLst>
+              </p:cTn>
+              <p:prevCondLst>
+                <p:cond evt="onPrev" delay="0">
+                  <p:tgtEl>
+                    <p:sldTgt/>
+                  </p:tgtEl>
+                </p:cond>
+              </p:prevCondLst>
+              <p:nextCondLst>
+                <p:cond evt="onNext" delay="0">
+                  <p:tgtEl>
+                    <p:sldTgt/>
+                  </p:tgtEl>
+                </p:cond>
+              </p:nextCondLst>
+            </p:seq>
+          </p:childTnLst>
+        </p:cTn>
+      </p:par>
+    </p:tnLst>
+  </p:timing>
+</p:sld>
+</file>
+
+<file path=ppt/slides/slide7.xml><?xml version="1.0" encoding="utf-8"?>
 <p:sld xmlns:a="http://schemas.openxmlformats.org/drawingml/2006/main" xmlns:r="http://schemas.openxmlformats.org/officeDocument/2006/relationships" xmlns:p="http://schemas.openxmlformats.org/presentationml/2006/main">
   <p:cSld>
     <p:spTree>
@@ -15748,10 +16477,468 @@
   <p:clrMapOvr>
     <a:masterClrMapping/>
   </p:clrMapOvr>
+  <p:timing>
+    <p:tnLst>
+      <p:par>
+        <p:cTn id="1" dur="indefinite" restart="never" nodeType="tmRoot">
+          <p:childTnLst>
+            <p:seq concurrent="1" nextAc="seek">
+              <p:cTn id="2" dur="indefinite" nodeType="mainSeq">
+                <p:childTnLst>
+                  <p:par>
+                    <p:cTn id="3" fill="hold">
+                      <p:stCondLst>
+                        <p:cond delay="indefinite"/>
+                      </p:stCondLst>
+                      <p:childTnLst>
+                        <p:par>
+                          <p:cTn id="4" fill="hold">
+                            <p:stCondLst>
+                              <p:cond delay="0"/>
+                            </p:stCondLst>
+                            <p:childTnLst>
+                              <p:par>
+                                <p:cTn id="5" presetID="1" presetClass="entr" presetSubtype="0" fill="hold" nodeType="clickEffect">
+                                  <p:stCondLst>
+                                    <p:cond delay="0"/>
+                                  </p:stCondLst>
+                                  <p:childTnLst>
+                                    <p:set>
+                                      <p:cBhvr>
+                                        <p:cTn id="6" dur="1" fill="hold">
+                                          <p:stCondLst>
+                                            <p:cond delay="0"/>
+                                          </p:stCondLst>
+                                        </p:cTn>
+                                        <p:tgtEl>
+                                          <p:spTgt spid="10">
+                                            <p:txEl>
+                                              <p:pRg st="0" end="0"/>
+                                            </p:txEl>
+                                          </p:spTgt>
+                                        </p:tgtEl>
+                                        <p:attrNameLst>
+                                          <p:attrName>style.visibility</p:attrName>
+                                        </p:attrNameLst>
+                                      </p:cBhvr>
+                                      <p:to>
+                                        <p:strVal val="visible"/>
+                                      </p:to>
+                                    </p:set>
+                                  </p:childTnLst>
+                                </p:cTn>
+                              </p:par>
+                              <p:par>
+                                <p:cTn id="7" presetID="1" presetClass="entr" presetSubtype="0" fill="hold" nodeType="withEffect">
+                                  <p:stCondLst>
+                                    <p:cond delay="0"/>
+                                  </p:stCondLst>
+                                  <p:childTnLst>
+                                    <p:set>
+                                      <p:cBhvr>
+                                        <p:cTn id="8" dur="1" fill="hold">
+                                          <p:stCondLst>
+                                            <p:cond delay="0"/>
+                                          </p:stCondLst>
+                                        </p:cTn>
+                                        <p:tgtEl>
+                                          <p:spTgt spid="10">
+                                            <p:txEl>
+                                              <p:pRg st="1" end="1"/>
+                                            </p:txEl>
+                                          </p:spTgt>
+                                        </p:tgtEl>
+                                        <p:attrNameLst>
+                                          <p:attrName>style.visibility</p:attrName>
+                                        </p:attrNameLst>
+                                      </p:cBhvr>
+                                      <p:to>
+                                        <p:strVal val="visible"/>
+                                      </p:to>
+                                    </p:set>
+                                  </p:childTnLst>
+                                </p:cTn>
+                              </p:par>
+                              <p:par>
+                                <p:cTn id="9" presetID="1" presetClass="entr" presetSubtype="0" fill="hold" nodeType="withEffect">
+                                  <p:stCondLst>
+                                    <p:cond delay="0"/>
+                                  </p:stCondLst>
+                                  <p:childTnLst>
+                                    <p:set>
+                                      <p:cBhvr>
+                                        <p:cTn id="10" dur="1" fill="hold">
+                                          <p:stCondLst>
+                                            <p:cond delay="0"/>
+                                          </p:stCondLst>
+                                        </p:cTn>
+                                        <p:tgtEl>
+                                          <p:spTgt spid="13"/>
+                                        </p:tgtEl>
+                                        <p:attrNameLst>
+                                          <p:attrName>style.visibility</p:attrName>
+                                        </p:attrNameLst>
+                                      </p:cBhvr>
+                                      <p:to>
+                                        <p:strVal val="visible"/>
+                                      </p:to>
+                                    </p:set>
+                                  </p:childTnLst>
+                                </p:cTn>
+                              </p:par>
+                            </p:childTnLst>
+                          </p:cTn>
+                        </p:par>
+                      </p:childTnLst>
+                    </p:cTn>
+                  </p:par>
+                  <p:par>
+                    <p:cTn id="11" fill="hold">
+                      <p:stCondLst>
+                        <p:cond delay="indefinite"/>
+                      </p:stCondLst>
+                      <p:childTnLst>
+                        <p:par>
+                          <p:cTn id="12" fill="hold">
+                            <p:stCondLst>
+                              <p:cond delay="0"/>
+                            </p:stCondLst>
+                            <p:childTnLst>
+                              <p:par>
+                                <p:cTn id="13" presetID="1" presetClass="entr" presetSubtype="0" fill="hold" nodeType="clickEffect">
+                                  <p:stCondLst>
+                                    <p:cond delay="0"/>
+                                  </p:stCondLst>
+                                  <p:childTnLst>
+                                    <p:set>
+                                      <p:cBhvr>
+                                        <p:cTn id="14" dur="1" fill="hold">
+                                          <p:stCondLst>
+                                            <p:cond delay="0"/>
+                                          </p:stCondLst>
+                                        </p:cTn>
+                                        <p:tgtEl>
+                                          <p:spTgt spid="10">
+                                            <p:txEl>
+                                              <p:pRg st="2" end="2"/>
+                                            </p:txEl>
+                                          </p:spTgt>
+                                        </p:tgtEl>
+                                        <p:attrNameLst>
+                                          <p:attrName>style.visibility</p:attrName>
+                                        </p:attrNameLst>
+                                      </p:cBhvr>
+                                      <p:to>
+                                        <p:strVal val="visible"/>
+                                      </p:to>
+                                    </p:set>
+                                  </p:childTnLst>
+                                </p:cTn>
+                              </p:par>
+                              <p:par>
+                                <p:cTn id="15" presetID="1" presetClass="entr" presetSubtype="0" fill="hold" nodeType="withEffect">
+                                  <p:stCondLst>
+                                    <p:cond delay="0"/>
+                                  </p:stCondLst>
+                                  <p:childTnLst>
+                                    <p:set>
+                                      <p:cBhvr>
+                                        <p:cTn id="16" dur="1" fill="hold">
+                                          <p:stCondLst>
+                                            <p:cond delay="0"/>
+                                          </p:stCondLst>
+                                        </p:cTn>
+                                        <p:tgtEl>
+                                          <p:spTgt spid="10">
+                                            <p:txEl>
+                                              <p:pRg st="3" end="3"/>
+                                            </p:txEl>
+                                          </p:spTgt>
+                                        </p:tgtEl>
+                                        <p:attrNameLst>
+                                          <p:attrName>style.visibility</p:attrName>
+                                        </p:attrNameLst>
+                                      </p:cBhvr>
+                                      <p:to>
+                                        <p:strVal val="visible"/>
+                                      </p:to>
+                                    </p:set>
+                                  </p:childTnLst>
+                                </p:cTn>
+                              </p:par>
+                              <p:par>
+                                <p:cTn id="17" presetID="1" presetClass="entr" presetSubtype="0" fill="hold" nodeType="withEffect">
+                                  <p:stCondLst>
+                                    <p:cond delay="0"/>
+                                  </p:stCondLst>
+                                  <p:childTnLst>
+                                    <p:set>
+                                      <p:cBhvr>
+                                        <p:cTn id="18" dur="1" fill="hold">
+                                          <p:stCondLst>
+                                            <p:cond delay="0"/>
+                                          </p:stCondLst>
+                                        </p:cTn>
+                                        <p:tgtEl>
+                                          <p:spTgt spid="14"/>
+                                        </p:tgtEl>
+                                        <p:attrNameLst>
+                                          <p:attrName>style.visibility</p:attrName>
+                                        </p:attrNameLst>
+                                      </p:cBhvr>
+                                      <p:to>
+                                        <p:strVal val="visible"/>
+                                      </p:to>
+                                    </p:set>
+                                  </p:childTnLst>
+                                </p:cTn>
+                              </p:par>
+                            </p:childTnLst>
+                          </p:cTn>
+                        </p:par>
+                      </p:childTnLst>
+                    </p:cTn>
+                  </p:par>
+                  <p:par>
+                    <p:cTn id="19" fill="hold">
+                      <p:stCondLst>
+                        <p:cond delay="indefinite"/>
+                      </p:stCondLst>
+                      <p:childTnLst>
+                        <p:par>
+                          <p:cTn id="20" fill="hold">
+                            <p:stCondLst>
+                              <p:cond delay="0"/>
+                            </p:stCondLst>
+                            <p:childTnLst>
+                              <p:par>
+                                <p:cTn id="21" presetID="1" presetClass="entr" presetSubtype="0" fill="hold" nodeType="clickEffect">
+                                  <p:stCondLst>
+                                    <p:cond delay="0"/>
+                                  </p:stCondLst>
+                                  <p:childTnLst>
+                                    <p:set>
+                                      <p:cBhvr>
+                                        <p:cTn id="22" dur="1" fill="hold">
+                                          <p:stCondLst>
+                                            <p:cond delay="0"/>
+                                          </p:stCondLst>
+                                        </p:cTn>
+                                        <p:tgtEl>
+                                          <p:spTgt spid="10">
+                                            <p:txEl>
+                                              <p:pRg st="4" end="4"/>
+                                            </p:txEl>
+                                          </p:spTgt>
+                                        </p:tgtEl>
+                                        <p:attrNameLst>
+                                          <p:attrName>style.visibility</p:attrName>
+                                        </p:attrNameLst>
+                                      </p:cBhvr>
+                                      <p:to>
+                                        <p:strVal val="visible"/>
+                                      </p:to>
+                                    </p:set>
+                                  </p:childTnLst>
+                                </p:cTn>
+                              </p:par>
+                              <p:par>
+                                <p:cTn id="23" presetID="1" presetClass="entr" presetSubtype="0" fill="hold" nodeType="withEffect">
+                                  <p:stCondLst>
+                                    <p:cond delay="0"/>
+                                  </p:stCondLst>
+                                  <p:childTnLst>
+                                    <p:set>
+                                      <p:cBhvr>
+                                        <p:cTn id="24" dur="1" fill="hold">
+                                          <p:stCondLst>
+                                            <p:cond delay="0"/>
+                                          </p:stCondLst>
+                                        </p:cTn>
+                                        <p:tgtEl>
+                                          <p:spTgt spid="10">
+                                            <p:txEl>
+                                              <p:pRg st="5" end="5"/>
+                                            </p:txEl>
+                                          </p:spTgt>
+                                        </p:tgtEl>
+                                        <p:attrNameLst>
+                                          <p:attrName>style.visibility</p:attrName>
+                                        </p:attrNameLst>
+                                      </p:cBhvr>
+                                      <p:to>
+                                        <p:strVal val="visible"/>
+                                      </p:to>
+                                    </p:set>
+                                  </p:childTnLst>
+                                </p:cTn>
+                              </p:par>
+                              <p:par>
+                                <p:cTn id="25" presetID="1" presetClass="entr" presetSubtype="0" fill="hold" nodeType="withEffect">
+                                  <p:stCondLst>
+                                    <p:cond delay="0"/>
+                                  </p:stCondLst>
+                                  <p:childTnLst>
+                                    <p:set>
+                                      <p:cBhvr>
+                                        <p:cTn id="26" dur="1" fill="hold">
+                                          <p:stCondLst>
+                                            <p:cond delay="0"/>
+                                          </p:stCondLst>
+                                        </p:cTn>
+                                        <p:tgtEl>
+                                          <p:spTgt spid="15"/>
+                                        </p:tgtEl>
+                                        <p:attrNameLst>
+                                          <p:attrName>style.visibility</p:attrName>
+                                        </p:attrNameLst>
+                                      </p:cBhvr>
+                                      <p:to>
+                                        <p:strVal val="visible"/>
+                                      </p:to>
+                                    </p:set>
+                                  </p:childTnLst>
+                                </p:cTn>
+                              </p:par>
+                            </p:childTnLst>
+                          </p:cTn>
+                        </p:par>
+                      </p:childTnLst>
+                    </p:cTn>
+                  </p:par>
+                  <p:par>
+                    <p:cTn id="27" fill="hold">
+                      <p:stCondLst>
+                        <p:cond delay="indefinite"/>
+                      </p:stCondLst>
+                      <p:childTnLst>
+                        <p:par>
+                          <p:cTn id="28" fill="hold">
+                            <p:stCondLst>
+                              <p:cond delay="0"/>
+                            </p:stCondLst>
+                            <p:childTnLst>
+                              <p:par>
+                                <p:cTn id="29" presetID="1" presetClass="entr" presetSubtype="0" fill="hold" nodeType="clickEffect">
+                                  <p:stCondLst>
+                                    <p:cond delay="0"/>
+                                  </p:stCondLst>
+                                  <p:childTnLst>
+                                    <p:set>
+                                      <p:cBhvr>
+                                        <p:cTn id="30" dur="1" fill="hold">
+                                          <p:stCondLst>
+                                            <p:cond delay="0"/>
+                                          </p:stCondLst>
+                                        </p:cTn>
+                                        <p:tgtEl>
+                                          <p:spTgt spid="10">
+                                            <p:txEl>
+                                              <p:pRg st="6" end="6"/>
+                                            </p:txEl>
+                                          </p:spTgt>
+                                        </p:tgtEl>
+                                        <p:attrNameLst>
+                                          <p:attrName>style.visibility</p:attrName>
+                                        </p:attrNameLst>
+                                      </p:cBhvr>
+                                      <p:to>
+                                        <p:strVal val="visible"/>
+                                      </p:to>
+                                    </p:set>
+                                  </p:childTnLst>
+                                </p:cTn>
+                              </p:par>
+                              <p:par>
+                                <p:cTn id="31" presetID="1" presetClass="entr" presetSubtype="0" fill="hold" nodeType="withEffect">
+                                  <p:stCondLst>
+                                    <p:cond delay="0"/>
+                                  </p:stCondLst>
+                                  <p:childTnLst>
+                                    <p:set>
+                                      <p:cBhvr>
+                                        <p:cTn id="32" dur="1" fill="hold">
+                                          <p:stCondLst>
+                                            <p:cond delay="0"/>
+                                          </p:stCondLst>
+                                        </p:cTn>
+                                        <p:tgtEl>
+                                          <p:spTgt spid="10">
+                                            <p:txEl>
+                                              <p:pRg st="7" end="7"/>
+                                            </p:txEl>
+                                          </p:spTgt>
+                                        </p:tgtEl>
+                                        <p:attrNameLst>
+                                          <p:attrName>style.visibility</p:attrName>
+                                        </p:attrNameLst>
+                                      </p:cBhvr>
+                                      <p:to>
+                                        <p:strVal val="visible"/>
+                                      </p:to>
+                                    </p:set>
+                                  </p:childTnLst>
+                                </p:cTn>
+                              </p:par>
+                              <p:par>
+                                <p:cTn id="33" presetID="1" presetClass="entr" presetSubtype="0" fill="hold" nodeType="withEffect">
+                                  <p:stCondLst>
+                                    <p:cond delay="0"/>
+                                  </p:stCondLst>
+                                  <p:childTnLst>
+                                    <p:set>
+                                      <p:cBhvr>
+                                        <p:cTn id="34" dur="1" fill="hold">
+                                          <p:stCondLst>
+                                            <p:cond delay="0"/>
+                                          </p:stCondLst>
+                                        </p:cTn>
+                                        <p:tgtEl>
+                                          <p:spTgt spid="16"/>
+                                        </p:tgtEl>
+                                        <p:attrNameLst>
+                                          <p:attrName>style.visibility</p:attrName>
+                                        </p:attrNameLst>
+                                      </p:cBhvr>
+                                      <p:to>
+                                        <p:strVal val="visible"/>
+                                      </p:to>
+                                    </p:set>
+                                  </p:childTnLst>
+                                </p:cTn>
+                              </p:par>
+                            </p:childTnLst>
+                          </p:cTn>
+                        </p:par>
+                      </p:childTnLst>
+                    </p:cTn>
+                  </p:par>
+                </p:childTnLst>
+              </p:cTn>
+              <p:prevCondLst>
+                <p:cond evt="onPrev" delay="0">
+                  <p:tgtEl>
+                    <p:sldTgt/>
+                  </p:tgtEl>
+                </p:cond>
+              </p:prevCondLst>
+              <p:nextCondLst>
+                <p:cond evt="onNext" delay="0">
+                  <p:tgtEl>
+                    <p:sldTgt/>
+                  </p:tgtEl>
+                </p:cond>
+              </p:nextCondLst>
+            </p:seq>
+          </p:childTnLst>
+        </p:cTn>
+      </p:par>
+    </p:tnLst>
+  </p:timing>
 </p:sld>
 </file>
 
-<file path=ppt/slides/slide9.xml><?xml version="1.0" encoding="utf-8"?>
+<file path=ppt/slides/slide8.xml><?xml version="1.0" encoding="utf-8"?>
 <p:sld xmlns:a="http://schemas.openxmlformats.org/drawingml/2006/main" xmlns:r="http://schemas.openxmlformats.org/officeDocument/2006/relationships" xmlns:p="http://schemas.openxmlformats.org/presentationml/2006/main">
   <p:cSld>
     <p:spTree>
@@ -15796,31 +16983,6 @@
           </a:p>
         </p:txBody>
       </p:sp>
-      <p:sp>
-        <p:nvSpPr>
-          <p:cNvPr id="4" name="Text Placeholder 3">
-            <a:extLst>
-              <a:ext uri="{FF2B5EF4-FFF2-40B4-BE49-F238E27FC236}">
-                <a16:creationId xmlns:a16="http://schemas.microsoft.com/office/drawing/2014/main" id="{34C25C8D-89E3-4C67-A3F6-B589EF0530BB}"/>
-              </a:ext>
-            </a:extLst>
-          </p:cNvPr>
-          <p:cNvSpPr>
-            <a:spLocks noGrp="1"/>
-          </p:cNvSpPr>
-          <p:nvPr>
-            <p:ph type="body" idx="1"/>
-          </p:nvPr>
-        </p:nvSpPr>
-        <p:spPr/>
-        <p:txBody>
-          <a:bodyPr/>
-          <a:lstStyle/>
-          <a:p>
-            <a:endParaRPr lang="de-CH"/>
-          </a:p>
-        </p:txBody>
-      </p:sp>
     </p:spTree>
     <p:extLst>
       <p:ext uri="{BB962C8B-B14F-4D97-AF65-F5344CB8AC3E}">
@@ -15831,6 +16993,394 @@
   <p:clrMapOvr>
     <a:masterClrMapping/>
   </p:clrMapOvr>
+</p:sld>
+</file>
+
+<file path=ppt/slides/slide9.xml><?xml version="1.0" encoding="utf-8"?>
+<p:sld xmlns:a="http://schemas.openxmlformats.org/drawingml/2006/main" xmlns:r="http://schemas.openxmlformats.org/officeDocument/2006/relationships" xmlns:p="http://schemas.openxmlformats.org/presentationml/2006/main">
+  <p:cSld>
+    <p:spTree>
+      <p:nvGrpSpPr>
+        <p:cNvPr id="1" name=""/>
+        <p:cNvGrpSpPr/>
+        <p:nvPr/>
+      </p:nvGrpSpPr>
+      <p:grpSpPr>
+        <a:xfrm>
+          <a:off x="0" y="0"/>
+          <a:ext cx="0" cy="0"/>
+          <a:chOff x="0" y="0"/>
+          <a:chExt cx="0" cy="0"/>
+        </a:xfrm>
+      </p:grpSpPr>
+      <p:sp>
+        <p:nvSpPr>
+          <p:cNvPr id="10" name="Title 1">
+            <a:extLst>
+              <a:ext uri="{FF2B5EF4-FFF2-40B4-BE49-F238E27FC236}">
+                <a16:creationId xmlns:a16="http://schemas.microsoft.com/office/drawing/2014/main" id="{FE320E18-F31A-4954-AAE7-1BF3A60DB292}"/>
+              </a:ext>
+            </a:extLst>
+          </p:cNvPr>
+          <p:cNvSpPr>
+            <a:spLocks noGrp="1"/>
+          </p:cNvSpPr>
+          <p:nvPr>
+            <p:ph type="title"/>
+          </p:nvPr>
+        </p:nvSpPr>
+        <p:spPr>
+          <a:xfrm>
+            <a:off x="936000" y="306000"/>
+            <a:ext cx="7884000" cy="360000"/>
+          </a:xfrm>
+        </p:spPr>
+        <p:txBody>
+          <a:bodyPr/>
+          <a:lstStyle/>
+          <a:p>
+            <a:r>
+              <a:rPr lang="de-CH" sz="1200" dirty="0"/>
+              <a:t>IPA Projekt - </a:t>
+            </a:r>
+            <a:r>
+              <a:rPr lang="de-CH" dirty="0"/>
+              <a:t>Problemstellung</a:t>
+            </a:r>
+          </a:p>
+        </p:txBody>
+      </p:sp>
+      <p:sp>
+        <p:nvSpPr>
+          <p:cNvPr id="11" name="Content Placeholder 2">
+            <a:extLst>
+              <a:ext uri="{FF2B5EF4-FFF2-40B4-BE49-F238E27FC236}">
+                <a16:creationId xmlns:a16="http://schemas.microsoft.com/office/drawing/2014/main" id="{7F7FF83F-FBB5-40A7-9766-BF0C688AB816}"/>
+              </a:ext>
+            </a:extLst>
+          </p:cNvPr>
+          <p:cNvSpPr>
+            <a:spLocks noGrp="1"/>
+          </p:cNvSpPr>
+          <p:nvPr>
+            <p:ph idx="1"/>
+          </p:nvPr>
+        </p:nvSpPr>
+        <p:spPr>
+          <a:xfrm>
+            <a:off x="936000" y="1233950"/>
+            <a:ext cx="7884000" cy="4716000"/>
+          </a:xfrm>
+        </p:spPr>
+        <p:txBody>
+          <a:bodyPr/>
+          <a:lstStyle/>
+          <a:p>
+            <a:pPr>
+              <a:lnSpc>
+                <a:spcPct val="300000"/>
+              </a:lnSpc>
+              <a:buClr>
+                <a:srgbClr val="00B0F0"/>
+              </a:buClr>
+              <a:buFont typeface="Wingdings" panose="05000000000000000000" pitchFamily="2" charset="2"/>
+              <a:buChar char="§"/>
+            </a:pPr>
+            <a:r>
+              <a:rPr lang="de-CH" dirty="0"/>
+              <a:t>Alle 13 Microservices müssen unabhängig gestartet werden können</a:t>
+            </a:r>
+          </a:p>
+          <a:p>
+            <a:pPr>
+              <a:lnSpc>
+                <a:spcPct val="300000"/>
+              </a:lnSpc>
+              <a:buClr>
+                <a:srgbClr val="00B0F0"/>
+              </a:buClr>
+              <a:buFont typeface="Wingdings" panose="05000000000000000000" pitchFamily="2" charset="2"/>
+              <a:buChar char="§"/>
+            </a:pPr>
+            <a:r>
+              <a:rPr lang="de-CH" dirty="0"/>
+              <a:t>Microservices müssen ein Minimum an Abhängigkeit haben</a:t>
+            </a:r>
+          </a:p>
+          <a:p>
+            <a:pPr>
+              <a:lnSpc>
+                <a:spcPct val="300000"/>
+              </a:lnSpc>
+              <a:buClr>
+                <a:srgbClr val="00B0F0"/>
+              </a:buClr>
+              <a:buFont typeface="Wingdings" panose="05000000000000000000" pitchFamily="2" charset="2"/>
+              <a:buChar char="§"/>
+            </a:pPr>
+            <a:r>
+              <a:rPr lang="de-CH" dirty="0"/>
+              <a:t>Anwender müssen die Services zentral parametrieren können</a:t>
+            </a:r>
+          </a:p>
+        </p:txBody>
+      </p:sp>
+      <p:sp>
+        <p:nvSpPr>
+          <p:cNvPr id="12" name="Text Placeholder 3">
+            <a:extLst>
+              <a:ext uri="{FF2B5EF4-FFF2-40B4-BE49-F238E27FC236}">
+                <a16:creationId xmlns:a16="http://schemas.microsoft.com/office/drawing/2014/main" id="{FAAB3AC2-0AC6-4DE3-813C-8C4E61F661D5}"/>
+              </a:ext>
+            </a:extLst>
+          </p:cNvPr>
+          <p:cNvSpPr>
+            <a:spLocks noGrp="1"/>
+          </p:cNvSpPr>
+          <p:nvPr>
+            <p:ph type="body" sz="quarter" idx="10"/>
+          </p:nvPr>
+        </p:nvSpPr>
+        <p:spPr>
+          <a:xfrm>
+            <a:off x="935038" y="836712"/>
+            <a:ext cx="7885112" cy="360000"/>
+          </a:xfrm>
+        </p:spPr>
+        <p:txBody>
+          <a:bodyPr/>
+          <a:lstStyle/>
+          <a:p>
+            <a:r>
+              <a:rPr lang="de-CH" b="1" i="1" dirty="0"/>
+              <a:t>Anforderungen</a:t>
+            </a:r>
+          </a:p>
+        </p:txBody>
+      </p:sp>
+      <p:pic>
+        <p:nvPicPr>
+          <p:cNvPr id="15" name="Picture 14">
+            <a:extLst>
+              <a:ext uri="{FF2B5EF4-FFF2-40B4-BE49-F238E27FC236}">
+                <a16:creationId xmlns:a16="http://schemas.microsoft.com/office/drawing/2014/main" id="{AB3CC870-CD96-4B7B-92E5-91DF9AB1EB62}"/>
+              </a:ext>
+            </a:extLst>
+          </p:cNvPr>
+          <p:cNvPicPr>
+            <a:picLocks noChangeAspect="1"/>
+          </p:cNvPicPr>
+          <p:nvPr/>
+        </p:nvPicPr>
+        <p:blipFill>
+          <a:blip r:embed="rId3">
+            <a:extLst>
+              <a:ext uri="{28A0092B-C50C-407E-A947-70E740481C1C}">
+                <a14:useLocalDpi xmlns:a14="http://schemas.microsoft.com/office/drawing/2010/main" val="0"/>
+              </a:ext>
+            </a:extLst>
+          </a:blip>
+          <a:stretch>
+            <a:fillRect/>
+          </a:stretch>
+        </p:blipFill>
+        <p:spPr>
+          <a:xfrm>
+            <a:off x="7634723" y="731083"/>
+            <a:ext cx="609685" cy="609685"/>
+          </a:xfrm>
+          <a:prstGeom prst="rect">
+            <a:avLst/>
+          </a:prstGeom>
+        </p:spPr>
+      </p:pic>
+    </p:spTree>
+    <p:extLst>
+      <p:ext uri="{BB962C8B-B14F-4D97-AF65-F5344CB8AC3E}">
+        <p14:creationId xmlns:p14="http://schemas.microsoft.com/office/powerpoint/2010/main" val="3041852416"/>
+      </p:ext>
+    </p:extLst>
+  </p:cSld>
+  <p:clrMapOvr>
+    <a:masterClrMapping/>
+  </p:clrMapOvr>
+  <p:timing>
+    <p:tnLst>
+      <p:par>
+        <p:cTn id="1" dur="indefinite" restart="never" nodeType="tmRoot">
+          <p:childTnLst>
+            <p:seq concurrent="1" nextAc="seek">
+              <p:cTn id="2" dur="indefinite" nodeType="mainSeq">
+                <p:childTnLst>
+                  <p:par>
+                    <p:cTn id="3" fill="hold">
+                      <p:stCondLst>
+                        <p:cond delay="indefinite"/>
+                      </p:stCondLst>
+                      <p:childTnLst>
+                        <p:par>
+                          <p:cTn id="4" fill="hold">
+                            <p:stCondLst>
+                              <p:cond delay="0"/>
+                            </p:stCondLst>
+                            <p:childTnLst>
+                              <p:par>
+                                <p:cTn id="5" presetID="1" presetClass="entr" presetSubtype="0" fill="hold" nodeType="clickEffect">
+                                  <p:stCondLst>
+                                    <p:cond delay="0"/>
+                                  </p:stCondLst>
+                                  <p:childTnLst>
+                                    <p:set>
+                                      <p:cBhvr>
+                                        <p:cTn id="6" dur="1" fill="hold">
+                                          <p:stCondLst>
+                                            <p:cond delay="0"/>
+                                          </p:stCondLst>
+                                        </p:cTn>
+                                        <p:tgtEl>
+                                          <p:spTgt spid="11">
+                                            <p:txEl>
+                                              <p:pRg st="0" end="0"/>
+                                            </p:txEl>
+                                          </p:spTgt>
+                                        </p:tgtEl>
+                                        <p:attrNameLst>
+                                          <p:attrName>style.visibility</p:attrName>
+                                        </p:attrNameLst>
+                                      </p:cBhvr>
+                                      <p:to>
+                                        <p:strVal val="visible"/>
+                                      </p:to>
+                                    </p:set>
+                                  </p:childTnLst>
+                                </p:cTn>
+                              </p:par>
+                            </p:childTnLst>
+                          </p:cTn>
+                        </p:par>
+                      </p:childTnLst>
+                    </p:cTn>
+                  </p:par>
+                  <p:par>
+                    <p:cTn id="7" fill="hold">
+                      <p:stCondLst>
+                        <p:cond delay="indefinite"/>
+                      </p:stCondLst>
+                      <p:childTnLst>
+                        <p:par>
+                          <p:cTn id="8" fill="hold">
+                            <p:stCondLst>
+                              <p:cond delay="0"/>
+                            </p:stCondLst>
+                            <p:childTnLst>
+                              <p:par>
+                                <p:cTn id="9" presetID="1" presetClass="entr" presetSubtype="0" fill="hold" nodeType="clickEffect">
+                                  <p:stCondLst>
+                                    <p:cond delay="0"/>
+                                  </p:stCondLst>
+                                  <p:childTnLst>
+                                    <p:set>
+                                      <p:cBhvr>
+                                        <p:cTn id="10" dur="1" fill="hold">
+                                          <p:stCondLst>
+                                            <p:cond delay="0"/>
+                                          </p:stCondLst>
+                                        </p:cTn>
+                                        <p:tgtEl>
+                                          <p:spTgt spid="11">
+                                            <p:txEl>
+                                              <p:pRg st="1" end="1"/>
+                                            </p:txEl>
+                                          </p:spTgt>
+                                        </p:tgtEl>
+                                        <p:attrNameLst>
+                                          <p:attrName>style.visibility</p:attrName>
+                                        </p:attrNameLst>
+                                      </p:cBhvr>
+                                      <p:to>
+                                        <p:strVal val="visible"/>
+                                      </p:to>
+                                    </p:set>
+                                  </p:childTnLst>
+                                </p:cTn>
+                              </p:par>
+                            </p:childTnLst>
+                          </p:cTn>
+                        </p:par>
+                      </p:childTnLst>
+                    </p:cTn>
+                  </p:par>
+                  <p:par>
+                    <p:cTn id="11" fill="hold">
+                      <p:stCondLst>
+                        <p:cond delay="indefinite"/>
+                      </p:stCondLst>
+                      <p:childTnLst>
+                        <p:par>
+                          <p:cTn id="12" fill="hold">
+                            <p:stCondLst>
+                              <p:cond delay="0"/>
+                            </p:stCondLst>
+                            <p:childTnLst>
+                              <p:par>
+                                <p:cTn id="13" presetID="1" presetClass="entr" presetSubtype="0" fill="hold" nodeType="clickEffect">
+                                  <p:stCondLst>
+                                    <p:cond delay="0"/>
+                                  </p:stCondLst>
+                                  <p:childTnLst>
+                                    <p:set>
+                                      <p:cBhvr>
+                                        <p:cTn id="14" dur="1" fill="hold">
+                                          <p:stCondLst>
+                                            <p:cond delay="0"/>
+                                          </p:stCondLst>
+                                        </p:cTn>
+                                        <p:tgtEl>
+                                          <p:spTgt spid="11">
+                                            <p:txEl>
+                                              <p:pRg st="2" end="2"/>
+                                            </p:txEl>
+                                          </p:spTgt>
+                                        </p:tgtEl>
+                                        <p:attrNameLst>
+                                          <p:attrName>style.visibility</p:attrName>
+                                        </p:attrNameLst>
+                                      </p:cBhvr>
+                                      <p:to>
+                                        <p:strVal val="visible"/>
+                                      </p:to>
+                                    </p:set>
+                                  </p:childTnLst>
+                                </p:cTn>
+                              </p:par>
+                            </p:childTnLst>
+                          </p:cTn>
+                        </p:par>
+                      </p:childTnLst>
+                    </p:cTn>
+                  </p:par>
+                </p:childTnLst>
+              </p:cTn>
+              <p:prevCondLst>
+                <p:cond evt="onPrev" delay="0">
+                  <p:tgtEl>
+                    <p:sldTgt/>
+                  </p:tgtEl>
+                </p:cond>
+              </p:prevCondLst>
+              <p:nextCondLst>
+                <p:cond evt="onNext" delay="0">
+                  <p:tgtEl>
+                    <p:sldTgt/>
+                  </p:tgtEl>
+                </p:cond>
+              </p:nextCondLst>
+            </p:seq>
+          </p:childTnLst>
+        </p:cTn>
+      </p:par>
+    </p:tnLst>
+  </p:timing>
 </p:sld>
 </file>
 
